--- a/Report and PPT/Internship/Ppt/Anish Kumar 1AY21CS028 Internship 6thsem-21scheme.pptx
+++ b/Report and PPT/Internship/Ppt/Anish Kumar 1AY21CS028 Internship 6thsem-21scheme.pptx
@@ -1632,7 +1632,7 @@
         </p:nvSpPr>
         <p:spPr>
           <a:xfrm>
-            <a:off x="11988" y="3062790"/>
+            <a:off x="58485" y="3386983"/>
             <a:ext cx="3678554" cy="1517723"/>
           </a:xfrm>
           <a:prstGeom prst="rect">

--- a/Report and PPT/Internship/Ppt/Anish Kumar 1AY21CS028 Internship 6thsem-21scheme.pptx
+++ b/Report and PPT/Internship/Ppt/Anish Kumar 1AY21CS028 Internship 6thsem-21scheme.pptx
@@ -4,18 +4,22 @@
   <p:sldMasterIdLst>
     <p:sldMasterId id="2147483648" r:id="rId1"/>
   </p:sldMasterIdLst>
+  <p:notesMasterIdLst>
+    <p:notesMasterId r:id="rId14"/>
+  </p:notesMasterIdLst>
   <p:sldIdLst>
     <p:sldId id="256" r:id="rId2"/>
     <p:sldId id="258" r:id="rId3"/>
     <p:sldId id="259" r:id="rId4"/>
     <p:sldId id="265" r:id="rId5"/>
-    <p:sldId id="260" r:id="rId6"/>
-    <p:sldId id="261" r:id="rId7"/>
-    <p:sldId id="266" r:id="rId8"/>
-    <p:sldId id="267" r:id="rId9"/>
+    <p:sldId id="268" r:id="rId6"/>
+    <p:sldId id="260" r:id="rId7"/>
+    <p:sldId id="261" r:id="rId8"/>
+    <p:sldId id="266" r:id="rId9"/>
     <p:sldId id="262" r:id="rId10"/>
-    <p:sldId id="263" r:id="rId11"/>
-    <p:sldId id="264" r:id="rId12"/>
+    <p:sldId id="267" r:id="rId11"/>
+    <p:sldId id="263" r:id="rId12"/>
+    <p:sldId id="264" r:id="rId13"/>
   </p:sldIdLst>
   <p:sldSz cx="9144000" cy="5149850"/>
   <p:notesSz cx="9144000" cy="5149850"/>
@@ -131,6 +135,439 @@
     </p:ext>
   </p:extLst>
 </p:presentation>
+</file>
+
+<file path=ppt/notesMasters/notesMaster1.xml><?xml version="1.0" encoding="utf-8"?>
+<p:notesMaster xmlns:a="http://schemas.openxmlformats.org/drawingml/2006/main" xmlns:r="http://schemas.openxmlformats.org/officeDocument/2006/relationships" xmlns:p="http://schemas.openxmlformats.org/presentationml/2006/main">
+  <p:cSld>
+    <p:bg>
+      <p:bgRef idx="1001">
+        <a:schemeClr val="bg1"/>
+      </p:bgRef>
+    </p:bg>
+    <p:spTree>
+      <p:nvGrpSpPr>
+        <p:cNvPr id="1" name=""/>
+        <p:cNvGrpSpPr/>
+        <p:nvPr/>
+      </p:nvGrpSpPr>
+      <p:grpSpPr>
+        <a:xfrm>
+          <a:off x="0" y="0"/>
+          <a:ext cx="0" cy="0"/>
+          <a:chOff x="0" y="0"/>
+          <a:chExt cx="0" cy="0"/>
+        </a:xfrm>
+      </p:grpSpPr>
+      <p:sp>
+        <p:nvSpPr>
+          <p:cNvPr id="2" name="Header Placeholder 1"/>
+          <p:cNvSpPr>
+            <a:spLocks noGrp="1"/>
+          </p:cNvSpPr>
+          <p:nvPr>
+            <p:ph type="hdr" sz="quarter"/>
+          </p:nvPr>
+        </p:nvSpPr>
+        <p:spPr>
+          <a:xfrm>
+            <a:off x="0" y="0"/>
+            <a:ext cx="3962400" cy="258763"/>
+          </a:xfrm>
+          <a:prstGeom prst="rect">
+            <a:avLst/>
+          </a:prstGeom>
+        </p:spPr>
+        <p:txBody>
+          <a:bodyPr vert="horz" lIns="91440" tIns="45720" rIns="91440" bIns="45720" rtlCol="0"/>
+          <a:lstStyle>
+            <a:lvl1pPr algn="l">
+              <a:defRPr sz="1200"/>
+            </a:lvl1pPr>
+          </a:lstStyle>
+          <a:p>
+            <a:endParaRPr lang="en-US"/>
+          </a:p>
+        </p:txBody>
+      </p:sp>
+      <p:sp>
+        <p:nvSpPr>
+          <p:cNvPr id="3" name="Date Placeholder 2"/>
+          <p:cNvSpPr>
+            <a:spLocks noGrp="1"/>
+          </p:cNvSpPr>
+          <p:nvPr>
+            <p:ph type="dt" idx="1"/>
+          </p:nvPr>
+        </p:nvSpPr>
+        <p:spPr>
+          <a:xfrm>
+            <a:off x="5180013" y="0"/>
+            <a:ext cx="3962400" cy="258763"/>
+          </a:xfrm>
+          <a:prstGeom prst="rect">
+            <a:avLst/>
+          </a:prstGeom>
+        </p:spPr>
+        <p:txBody>
+          <a:bodyPr vert="horz" lIns="91440" tIns="45720" rIns="91440" bIns="45720" rtlCol="0"/>
+          <a:lstStyle>
+            <a:lvl1pPr algn="r">
+              <a:defRPr sz="1200"/>
+            </a:lvl1pPr>
+          </a:lstStyle>
+          <a:p>
+            <a:fld id="{99E9AE60-5F47-42B3-A788-2A890665DB62}" type="datetimeFigureOut">
+              <a:rPr lang="en-US" smtClean="0"/>
+              <a:t>7/14/2024</a:t>
+            </a:fld>
+            <a:endParaRPr lang="en-US"/>
+          </a:p>
+        </p:txBody>
+      </p:sp>
+      <p:sp>
+        <p:nvSpPr>
+          <p:cNvPr id="4" name="Slide Image Placeholder 3"/>
+          <p:cNvSpPr>
+            <a:spLocks noGrp="1" noRot="1" noChangeAspect="1"/>
+          </p:cNvSpPr>
+          <p:nvPr>
+            <p:ph type="sldImg" idx="2"/>
+          </p:nvPr>
+        </p:nvSpPr>
+        <p:spPr>
+          <a:xfrm>
+            <a:off x="3030538" y="644525"/>
+            <a:ext cx="3082925" cy="1736725"/>
+          </a:xfrm>
+          <a:prstGeom prst="rect">
+            <a:avLst/>
+          </a:prstGeom>
+          <a:noFill/>
+          <a:ln w="12700">
+            <a:solidFill>
+              <a:prstClr val="black"/>
+            </a:solidFill>
+          </a:ln>
+        </p:spPr>
+        <p:txBody>
+          <a:bodyPr vert="horz" lIns="91440" tIns="45720" rIns="91440" bIns="45720" rtlCol="0" anchor="ctr"/>
+          <a:lstStyle/>
+          <a:p>
+            <a:endParaRPr lang="en-US"/>
+          </a:p>
+        </p:txBody>
+      </p:sp>
+      <p:sp>
+        <p:nvSpPr>
+          <p:cNvPr id="5" name="Notes Placeholder 4"/>
+          <p:cNvSpPr>
+            <a:spLocks noGrp="1"/>
+          </p:cNvSpPr>
+          <p:nvPr>
+            <p:ph type="body" sz="quarter" idx="3"/>
+          </p:nvPr>
+        </p:nvSpPr>
+        <p:spPr>
+          <a:xfrm>
+            <a:off x="914400" y="2478088"/>
+            <a:ext cx="7315200" cy="2028825"/>
+          </a:xfrm>
+          <a:prstGeom prst="rect">
+            <a:avLst/>
+          </a:prstGeom>
+        </p:spPr>
+        <p:txBody>
+          <a:bodyPr vert="horz" lIns="91440" tIns="45720" rIns="91440" bIns="45720" rtlCol="0"/>
+          <a:lstStyle/>
+          <a:p>
+            <a:pPr lvl="0"/>
+            <a:r>
+              <a:rPr lang="en-US"/>
+              <a:t>Click to edit Master text styles</a:t>
+            </a:r>
+          </a:p>
+          <a:p>
+            <a:pPr lvl="1"/>
+            <a:r>
+              <a:rPr lang="en-US"/>
+              <a:t>Second level</a:t>
+            </a:r>
+          </a:p>
+          <a:p>
+            <a:pPr lvl="2"/>
+            <a:r>
+              <a:rPr lang="en-US"/>
+              <a:t>Third level</a:t>
+            </a:r>
+          </a:p>
+          <a:p>
+            <a:pPr lvl="3"/>
+            <a:r>
+              <a:rPr lang="en-US"/>
+              <a:t>Fourth level</a:t>
+            </a:r>
+          </a:p>
+          <a:p>
+            <a:pPr lvl="4"/>
+            <a:r>
+              <a:rPr lang="en-US"/>
+              <a:t>Fifth level</a:t>
+            </a:r>
+          </a:p>
+        </p:txBody>
+      </p:sp>
+      <p:sp>
+        <p:nvSpPr>
+          <p:cNvPr id="6" name="Footer Placeholder 5"/>
+          <p:cNvSpPr>
+            <a:spLocks noGrp="1"/>
+          </p:cNvSpPr>
+          <p:nvPr>
+            <p:ph type="ftr" sz="quarter" idx="4"/>
+          </p:nvPr>
+        </p:nvSpPr>
+        <p:spPr>
+          <a:xfrm>
+            <a:off x="0" y="4891088"/>
+            <a:ext cx="3962400" cy="258762"/>
+          </a:xfrm>
+          <a:prstGeom prst="rect">
+            <a:avLst/>
+          </a:prstGeom>
+        </p:spPr>
+        <p:txBody>
+          <a:bodyPr vert="horz" lIns="91440" tIns="45720" rIns="91440" bIns="45720" rtlCol="0" anchor="b"/>
+          <a:lstStyle>
+            <a:lvl1pPr algn="l">
+              <a:defRPr sz="1200"/>
+            </a:lvl1pPr>
+          </a:lstStyle>
+          <a:p>
+            <a:endParaRPr lang="en-US"/>
+          </a:p>
+        </p:txBody>
+      </p:sp>
+      <p:sp>
+        <p:nvSpPr>
+          <p:cNvPr id="7" name="Slide Number Placeholder 6"/>
+          <p:cNvSpPr>
+            <a:spLocks noGrp="1"/>
+          </p:cNvSpPr>
+          <p:nvPr>
+            <p:ph type="sldNum" sz="quarter" idx="5"/>
+          </p:nvPr>
+        </p:nvSpPr>
+        <p:spPr>
+          <a:xfrm>
+            <a:off x="5180013" y="4891088"/>
+            <a:ext cx="3962400" cy="258762"/>
+          </a:xfrm>
+          <a:prstGeom prst="rect">
+            <a:avLst/>
+          </a:prstGeom>
+        </p:spPr>
+        <p:txBody>
+          <a:bodyPr vert="horz" lIns="91440" tIns="45720" rIns="91440" bIns="45720" rtlCol="0" anchor="b"/>
+          <a:lstStyle>
+            <a:lvl1pPr algn="r">
+              <a:defRPr sz="1200"/>
+            </a:lvl1pPr>
+          </a:lstStyle>
+          <a:p>
+            <a:fld id="{62E675F8-E7A7-446E-9DDC-FD299F69BBB2}" type="slidenum">
+              <a:rPr lang="en-US" smtClean="0"/>
+              <a:t>‹#›</a:t>
+            </a:fld>
+            <a:endParaRPr lang="en-US"/>
+          </a:p>
+        </p:txBody>
+      </p:sp>
+    </p:spTree>
+    <p:extLst>
+      <p:ext uri="{BB962C8B-B14F-4D97-AF65-F5344CB8AC3E}">
+        <p14:creationId xmlns:p14="http://schemas.microsoft.com/office/powerpoint/2010/main" val="735428131"/>
+      </p:ext>
+    </p:extLst>
+  </p:cSld>
+  <p:clrMap bg1="lt1" tx1="dk1" bg2="lt2" tx2="dk2" accent1="accent1" accent2="accent2" accent3="accent3" accent4="accent4" accent5="accent5" accent6="accent6" hlink="hlink" folHlink="folHlink"/>
+  <p:notesStyle>
+    <a:lvl1pPr marL="0" algn="l" defTabSz="914400" rtl="0" eaLnBrk="1" latinLnBrk="0" hangingPunct="1">
+      <a:defRPr sz="1200" kern="1200">
+        <a:solidFill>
+          <a:schemeClr val="tx1"/>
+        </a:solidFill>
+        <a:latin typeface="+mn-lt"/>
+        <a:ea typeface="+mn-ea"/>
+        <a:cs typeface="+mn-cs"/>
+      </a:defRPr>
+    </a:lvl1pPr>
+    <a:lvl2pPr marL="457200" algn="l" defTabSz="914400" rtl="0" eaLnBrk="1" latinLnBrk="0" hangingPunct="1">
+      <a:defRPr sz="1200" kern="1200">
+        <a:solidFill>
+          <a:schemeClr val="tx1"/>
+        </a:solidFill>
+        <a:latin typeface="+mn-lt"/>
+        <a:ea typeface="+mn-ea"/>
+        <a:cs typeface="+mn-cs"/>
+      </a:defRPr>
+    </a:lvl2pPr>
+    <a:lvl3pPr marL="914400" algn="l" defTabSz="914400" rtl="0" eaLnBrk="1" latinLnBrk="0" hangingPunct="1">
+      <a:defRPr sz="1200" kern="1200">
+        <a:solidFill>
+          <a:schemeClr val="tx1"/>
+        </a:solidFill>
+        <a:latin typeface="+mn-lt"/>
+        <a:ea typeface="+mn-ea"/>
+        <a:cs typeface="+mn-cs"/>
+      </a:defRPr>
+    </a:lvl3pPr>
+    <a:lvl4pPr marL="1371600" algn="l" defTabSz="914400" rtl="0" eaLnBrk="1" latinLnBrk="0" hangingPunct="1">
+      <a:defRPr sz="1200" kern="1200">
+        <a:solidFill>
+          <a:schemeClr val="tx1"/>
+        </a:solidFill>
+        <a:latin typeface="+mn-lt"/>
+        <a:ea typeface="+mn-ea"/>
+        <a:cs typeface="+mn-cs"/>
+      </a:defRPr>
+    </a:lvl4pPr>
+    <a:lvl5pPr marL="1828800" algn="l" defTabSz="914400" rtl="0" eaLnBrk="1" latinLnBrk="0" hangingPunct="1">
+      <a:defRPr sz="1200" kern="1200">
+        <a:solidFill>
+          <a:schemeClr val="tx1"/>
+        </a:solidFill>
+        <a:latin typeface="+mn-lt"/>
+        <a:ea typeface="+mn-ea"/>
+        <a:cs typeface="+mn-cs"/>
+      </a:defRPr>
+    </a:lvl5pPr>
+    <a:lvl6pPr marL="2286000" algn="l" defTabSz="914400" rtl="0" eaLnBrk="1" latinLnBrk="0" hangingPunct="1">
+      <a:defRPr sz="1200" kern="1200">
+        <a:solidFill>
+          <a:schemeClr val="tx1"/>
+        </a:solidFill>
+        <a:latin typeface="+mn-lt"/>
+        <a:ea typeface="+mn-ea"/>
+        <a:cs typeface="+mn-cs"/>
+      </a:defRPr>
+    </a:lvl6pPr>
+    <a:lvl7pPr marL="2743200" algn="l" defTabSz="914400" rtl="0" eaLnBrk="1" latinLnBrk="0" hangingPunct="1">
+      <a:defRPr sz="1200" kern="1200">
+        <a:solidFill>
+          <a:schemeClr val="tx1"/>
+        </a:solidFill>
+        <a:latin typeface="+mn-lt"/>
+        <a:ea typeface="+mn-ea"/>
+        <a:cs typeface="+mn-cs"/>
+      </a:defRPr>
+    </a:lvl7pPr>
+    <a:lvl8pPr marL="3200400" algn="l" defTabSz="914400" rtl="0" eaLnBrk="1" latinLnBrk="0" hangingPunct="1">
+      <a:defRPr sz="1200" kern="1200">
+        <a:solidFill>
+          <a:schemeClr val="tx1"/>
+        </a:solidFill>
+        <a:latin typeface="+mn-lt"/>
+        <a:ea typeface="+mn-ea"/>
+        <a:cs typeface="+mn-cs"/>
+      </a:defRPr>
+    </a:lvl8pPr>
+    <a:lvl9pPr marL="3657600" algn="l" defTabSz="914400" rtl="0" eaLnBrk="1" latinLnBrk="0" hangingPunct="1">
+      <a:defRPr sz="1200" kern="1200">
+        <a:solidFill>
+          <a:schemeClr val="tx1"/>
+        </a:solidFill>
+        <a:latin typeface="+mn-lt"/>
+        <a:ea typeface="+mn-ea"/>
+        <a:cs typeface="+mn-cs"/>
+      </a:defRPr>
+    </a:lvl9pPr>
+  </p:notesStyle>
+</p:notesMaster>
+</file>
+
+<file path=ppt/notesSlides/notesSlide1.xml><?xml version="1.0" encoding="utf-8"?>
+<p:notes xmlns:a="http://schemas.openxmlformats.org/drawingml/2006/main" xmlns:r="http://schemas.openxmlformats.org/officeDocument/2006/relationships" xmlns:p="http://schemas.openxmlformats.org/presentationml/2006/main">
+  <p:cSld>
+    <p:spTree>
+      <p:nvGrpSpPr>
+        <p:cNvPr id="1" name=""/>
+        <p:cNvGrpSpPr/>
+        <p:nvPr/>
+      </p:nvGrpSpPr>
+      <p:grpSpPr>
+        <a:xfrm>
+          <a:off x="0" y="0"/>
+          <a:ext cx="0" cy="0"/>
+          <a:chOff x="0" y="0"/>
+          <a:chExt cx="0" cy="0"/>
+        </a:xfrm>
+      </p:grpSpPr>
+      <p:sp>
+        <p:nvSpPr>
+          <p:cNvPr id="2" name="Slide Image Placeholder 1"/>
+          <p:cNvSpPr>
+            <a:spLocks noGrp="1" noRot="1" noChangeAspect="1"/>
+          </p:cNvSpPr>
+          <p:nvPr>
+            <p:ph type="sldImg"/>
+          </p:nvPr>
+        </p:nvSpPr>
+        <p:spPr/>
+      </p:sp>
+      <p:sp>
+        <p:nvSpPr>
+          <p:cNvPr id="3" name="Notes Placeholder 2"/>
+          <p:cNvSpPr>
+            <a:spLocks noGrp="1"/>
+          </p:cNvSpPr>
+          <p:nvPr>
+            <p:ph type="body" idx="1"/>
+          </p:nvPr>
+        </p:nvSpPr>
+        <p:spPr/>
+        <p:txBody>
+          <a:bodyPr/>
+          <a:lstStyle/>
+          <a:p>
+            <a:endParaRPr lang="en-US" dirty="0"/>
+          </a:p>
+        </p:txBody>
+      </p:sp>
+      <p:sp>
+        <p:nvSpPr>
+          <p:cNvPr id="4" name="Slide Number Placeholder 3"/>
+          <p:cNvSpPr>
+            <a:spLocks noGrp="1"/>
+          </p:cNvSpPr>
+          <p:nvPr>
+            <p:ph type="sldNum" sz="quarter" idx="5"/>
+          </p:nvPr>
+        </p:nvSpPr>
+        <p:spPr/>
+        <p:txBody>
+          <a:bodyPr/>
+          <a:lstStyle/>
+          <a:p>
+            <a:fld id="{62E675F8-E7A7-446E-9DDC-FD299F69BBB2}" type="slidenum">
+              <a:rPr lang="en-US" smtClean="0"/>
+              <a:t>3</a:t>
+            </a:fld>
+            <a:endParaRPr lang="en-US"/>
+          </a:p>
+        </p:txBody>
+      </p:sp>
+    </p:spTree>
+    <p:extLst>
+      <p:ext uri="{BB962C8B-B14F-4D97-AF65-F5344CB8AC3E}">
+        <p14:creationId xmlns:p14="http://schemas.microsoft.com/office/powerpoint/2010/main" val="1337205679"/>
+      </p:ext>
+    </p:extLst>
+  </p:cSld>
+  <p:clrMapOvr>
+    <a:masterClrMapping/>
+  </p:clrMapOvr>
+</p:notes>
 </file>
 
 <file path=ppt/slideLayouts/slideLayout1.xml><?xml version="1.0" encoding="utf-8"?>
@@ -1632,7 +2069,7 @@
         </p:nvSpPr>
         <p:spPr>
           <a:xfrm>
-            <a:off x="58485" y="3386983"/>
+            <a:off x="69446" y="3284956"/>
             <a:ext cx="3678554" cy="1517723"/>
           </a:xfrm>
           <a:prstGeom prst="rect">
@@ -2346,7 +2783,7 @@
         <p:spPr>
           <a:xfrm>
             <a:off x="78739" y="4895799"/>
-            <a:ext cx="600075" cy="208915"/>
+            <a:ext cx="683261" cy="197490"/>
           </a:xfrm>
           <a:prstGeom prst="rect">
             <a:avLst/>
@@ -2367,6 +2804,16 @@
               </a:spcBef>
             </a:pPr>
             <a:r>
+              <a:rPr lang="en-US" sz="1200" spc="-10" dirty="0">
+                <a:solidFill>
+                  <a:srgbClr val="888888"/>
+                </a:solidFill>
+                <a:latin typeface="Calibri"/>
+                <a:cs typeface="Calibri"/>
+              </a:rPr>
+              <a:t>15</a:t>
+            </a:r>
+            <a:r>
               <a:rPr sz="1200" spc="-10" dirty="0">
                 <a:solidFill>
                   <a:srgbClr val="888888"/>
@@ -2374,7 +2821,7 @@
                 <a:latin typeface="Calibri"/>
                 <a:cs typeface="Calibri"/>
               </a:rPr>
-              <a:t>6/7/202</a:t>
+              <a:t>/7/202</a:t>
             </a:r>
             <a:r>
               <a:rPr sz="1200" dirty="0">
@@ -2386,7 +2833,7 @@
               </a:rPr>
               <a:t>4</a:t>
             </a:r>
-            <a:endParaRPr sz="1200">
+            <a:endParaRPr sz="1200" dirty="0">
               <a:latin typeface="Calibri"/>
               <a:cs typeface="Calibri"/>
             </a:endParaRPr>
@@ -2755,6 +3202,450 @@
       <p:sp>
         <p:nvSpPr>
           <p:cNvPr id="2" name="object 2"/>
+          <p:cNvSpPr txBox="1"/>
+          <p:nvPr/>
+        </p:nvSpPr>
+        <p:spPr>
+          <a:xfrm>
+            <a:off x="78739" y="23825"/>
+            <a:ext cx="7827009" cy="512445"/>
+          </a:xfrm>
+          <a:prstGeom prst="rect">
+            <a:avLst/>
+          </a:prstGeom>
+        </p:spPr>
+        <p:txBody>
+          <a:bodyPr vert="horz" wrap="square" lIns="0" tIns="12065" rIns="0" bIns="0" rtlCol="0">
+            <a:spAutoFit/>
+          </a:bodyPr>
+          <a:lstStyle/>
+          <a:p>
+            <a:pPr marL="12700">
+              <a:lnSpc>
+                <a:spcPct val="100000"/>
+              </a:lnSpc>
+              <a:spcBef>
+                <a:spcPts val="95"/>
+              </a:spcBef>
+            </a:pPr>
+            <a:r>
+              <a:rPr sz="3200" spc="-10" dirty="0">
+                <a:latin typeface="Cambria"/>
+                <a:cs typeface="Cambria"/>
+              </a:rPr>
+              <a:t>Learning</a:t>
+            </a:r>
+            <a:r>
+              <a:rPr sz="3200" spc="35" dirty="0">
+                <a:latin typeface="Cambria"/>
+                <a:cs typeface="Cambria"/>
+              </a:rPr>
+              <a:t> </a:t>
+            </a:r>
+            <a:r>
+              <a:rPr sz="3200" spc="-10" dirty="0">
+                <a:latin typeface="Cambria"/>
+                <a:cs typeface="Cambria"/>
+              </a:rPr>
+              <a:t>outcomes</a:t>
+            </a:r>
+            <a:r>
+              <a:rPr sz="3200" spc="5" dirty="0">
+                <a:latin typeface="Cambria"/>
+                <a:cs typeface="Cambria"/>
+              </a:rPr>
+              <a:t> </a:t>
+            </a:r>
+            <a:r>
+              <a:rPr sz="3200" spc="-20" dirty="0">
+                <a:latin typeface="Cambria"/>
+                <a:cs typeface="Cambria"/>
+              </a:rPr>
+              <a:t>from</a:t>
+            </a:r>
+            <a:r>
+              <a:rPr sz="3200" spc="10" dirty="0">
+                <a:latin typeface="Cambria"/>
+                <a:cs typeface="Cambria"/>
+              </a:rPr>
+              <a:t> </a:t>
+            </a:r>
+            <a:r>
+              <a:rPr sz="3200" spc="-15" dirty="0">
+                <a:latin typeface="Cambria"/>
+                <a:cs typeface="Cambria"/>
+              </a:rPr>
+              <a:t>the</a:t>
+            </a:r>
+            <a:r>
+              <a:rPr sz="3200" spc="15" dirty="0">
+                <a:latin typeface="Cambria"/>
+                <a:cs typeface="Cambria"/>
+              </a:rPr>
+              <a:t> </a:t>
+            </a:r>
+            <a:r>
+              <a:rPr sz="3200" spc="-10" dirty="0">
+                <a:latin typeface="Cambria"/>
+                <a:cs typeface="Cambria"/>
+              </a:rPr>
+              <a:t>Internship</a:t>
+            </a:r>
+            <a:r>
+              <a:rPr sz="3200" spc="55" dirty="0">
+                <a:latin typeface="Cambria"/>
+                <a:cs typeface="Cambria"/>
+              </a:rPr>
+              <a:t> </a:t>
+            </a:r>
+            <a:r>
+              <a:rPr sz="3200" spc="-25" dirty="0">
+                <a:latin typeface="Cambria"/>
+                <a:cs typeface="Cambria"/>
+              </a:rPr>
+              <a:t>work</a:t>
+            </a:r>
+            <a:endParaRPr sz="3200" dirty="0">
+              <a:latin typeface="Cambria"/>
+              <a:cs typeface="Cambria"/>
+            </a:endParaRPr>
+          </a:p>
+        </p:txBody>
+      </p:sp>
+      <p:sp>
+        <p:nvSpPr>
+          <p:cNvPr id="6" name="object 6"/>
+          <p:cNvSpPr txBox="1">
+            <a:spLocks noGrp="1"/>
+          </p:cNvSpPr>
+          <p:nvPr>
+            <p:ph type="sldNum" sz="quarter" idx="7"/>
+          </p:nvPr>
+        </p:nvSpPr>
+        <p:spPr>
+          <a:prstGeom prst="rect">
+            <a:avLst/>
+          </a:prstGeom>
+        </p:spPr>
+        <p:txBody>
+          <a:bodyPr vert="horz" wrap="square" lIns="0" tIns="0" rIns="0" bIns="0" rtlCol="0">
+            <a:spAutoFit/>
+          </a:bodyPr>
+          <a:lstStyle/>
+          <a:p>
+            <a:pPr marL="38100">
+              <a:lnSpc>
+                <a:spcPts val="1240"/>
+              </a:lnSpc>
+            </a:pPr>
+            <a:fld id="{81D60167-4931-47E6-BA6A-407CBD079E47}" type="slidenum">
+              <a:rPr dirty="0"/>
+              <a:t>10</a:t>
+            </a:fld>
+            <a:endParaRPr dirty="0"/>
+          </a:p>
+        </p:txBody>
+      </p:sp>
+      <p:sp>
+        <p:nvSpPr>
+          <p:cNvPr id="3" name="object 3"/>
+          <p:cNvSpPr txBox="1"/>
+          <p:nvPr/>
+        </p:nvSpPr>
+        <p:spPr>
+          <a:xfrm>
+            <a:off x="258267" y="789508"/>
+            <a:ext cx="8693074" cy="3790718"/>
+          </a:xfrm>
+          <a:prstGeom prst="rect">
+            <a:avLst/>
+          </a:prstGeom>
+        </p:spPr>
+        <p:txBody>
+          <a:bodyPr vert="horz" wrap="square" lIns="0" tIns="12700" rIns="0" bIns="0" rtlCol="0">
+            <a:spAutoFit/>
+          </a:bodyPr>
+          <a:lstStyle/>
+          <a:p>
+            <a:pPr marL="306000" lvl="0" indent="-306000" algn="l" rtl="0">
+              <a:lnSpc>
+                <a:spcPct val="110000"/>
+              </a:lnSpc>
+              <a:spcBef>
+                <a:spcPts val="1040"/>
+              </a:spcBef>
+              <a:spcAft>
+                <a:spcPts val="0"/>
+              </a:spcAft>
+              <a:buSzPts val="2024"/>
+              <a:buFont typeface="Arial" panose="020B0604020202020204" pitchFamily="34" charset="0"/>
+              <a:buChar char="•"/>
+            </a:pPr>
+            <a:r>
+              <a:rPr lang="en-US" sz="1600" dirty="0"/>
+              <a:t>The future scope of the weather prediction model in machine learning holds exciting potential. Integration of more sophisticated algorithms and extensive datasets can enhance the model's accuracy, allowing for precise forecasting even in dynamic climate scenarios. Incorporating real-time data streams and satellite imagery promises to further refine predictions. </a:t>
+            </a:r>
+          </a:p>
+          <a:p>
+            <a:pPr marL="306000" lvl="0" indent="-306000" algn="l" rtl="0">
+              <a:lnSpc>
+                <a:spcPct val="110000"/>
+              </a:lnSpc>
+              <a:spcBef>
+                <a:spcPts val="1040"/>
+              </a:spcBef>
+              <a:spcAft>
+                <a:spcPts val="0"/>
+              </a:spcAft>
+              <a:buSzPts val="2024"/>
+              <a:buFont typeface="Arial" panose="020B0604020202020204" pitchFamily="34" charset="0"/>
+              <a:buChar char="•"/>
+            </a:pPr>
+            <a:r>
+              <a:rPr lang="en-US" sz="1600" dirty="0"/>
+              <a:t>Additionally, advancements in deep learning and neural network architectures may lead to more efficient models capable of capturing intricate atmospheric patterns. </a:t>
+            </a:r>
+          </a:p>
+          <a:p>
+            <a:pPr marL="306000" lvl="0" indent="-306000" algn="l" rtl="0">
+              <a:lnSpc>
+                <a:spcPct val="110000"/>
+              </a:lnSpc>
+              <a:spcBef>
+                <a:spcPts val="1040"/>
+              </a:spcBef>
+              <a:spcAft>
+                <a:spcPts val="0"/>
+              </a:spcAft>
+              <a:buSzPts val="2024"/>
+              <a:buFont typeface="Arial" panose="020B0604020202020204" pitchFamily="34" charset="0"/>
+              <a:buChar char="•"/>
+            </a:pPr>
+            <a:r>
+              <a:rPr lang="en-US" sz="1600" dirty="0"/>
+              <a:t>Collaborations with meteorological agencies and the integration of emerging technologies like quantum computing could pave the way for unprecedented advancements in weather prediction, offering a more reliable and timely tool for addressing the challenges posed by climate variability.</a:t>
+            </a:r>
+          </a:p>
+          <a:p>
+            <a:pPr marL="306000" lvl="0" indent="-306000" algn="l" rtl="0">
+              <a:lnSpc>
+                <a:spcPct val="110000"/>
+              </a:lnSpc>
+              <a:spcBef>
+                <a:spcPts val="1040"/>
+              </a:spcBef>
+              <a:spcAft>
+                <a:spcPts val="0"/>
+              </a:spcAft>
+              <a:buSzPts val="2024"/>
+              <a:buFont typeface="Arial" panose="020B0604020202020204" pitchFamily="34" charset="0"/>
+              <a:buChar char="•"/>
+            </a:pPr>
+            <a:endParaRPr lang="en-US" sz="1400" dirty="0"/>
+          </a:p>
+          <a:p>
+            <a:pPr marL="306000" lvl="0" indent="-306000" algn="l" rtl="0">
+              <a:lnSpc>
+                <a:spcPct val="110000"/>
+              </a:lnSpc>
+              <a:spcBef>
+                <a:spcPts val="1040"/>
+              </a:spcBef>
+              <a:spcAft>
+                <a:spcPts val="0"/>
+              </a:spcAft>
+              <a:buSzPts val="2024"/>
+              <a:buFont typeface="Arial" panose="020B0604020202020204" pitchFamily="34" charset="0"/>
+              <a:buChar char="•"/>
+            </a:pPr>
+            <a:endParaRPr lang="en-US" sz="1400" dirty="0"/>
+          </a:p>
+          <a:p>
+            <a:pPr marL="306000" lvl="0" indent="-306000" algn="l" rtl="0">
+              <a:lnSpc>
+                <a:spcPct val="110000"/>
+              </a:lnSpc>
+              <a:spcBef>
+                <a:spcPts val="1040"/>
+              </a:spcBef>
+              <a:spcAft>
+                <a:spcPts val="0"/>
+              </a:spcAft>
+              <a:buSzPts val="2024"/>
+              <a:buFont typeface="Arial" panose="020B0604020202020204" pitchFamily="34" charset="0"/>
+              <a:buChar char="•"/>
+            </a:pPr>
+            <a:endParaRPr lang="en-US" sz="1400" dirty="0"/>
+          </a:p>
+        </p:txBody>
+      </p:sp>
+      <p:sp>
+        <p:nvSpPr>
+          <p:cNvPr id="4" name="object 3">
+            <a:extLst>
+              <a:ext uri="{FF2B5EF4-FFF2-40B4-BE49-F238E27FC236}">
+                <a16:creationId xmlns:a16="http://schemas.microsoft.com/office/drawing/2014/main" id="{DBB06566-231A-7C6E-3E94-D6C1A58843A7}"/>
+              </a:ext>
+            </a:extLst>
+          </p:cNvPr>
+          <p:cNvSpPr txBox="1"/>
+          <p:nvPr/>
+        </p:nvSpPr>
+        <p:spPr>
+          <a:xfrm>
+            <a:off x="3298913" y="4754870"/>
+            <a:ext cx="3048000" cy="394980"/>
+          </a:xfrm>
+          <a:prstGeom prst="rect">
+            <a:avLst/>
+          </a:prstGeom>
+        </p:spPr>
+        <p:txBody>
+          <a:bodyPr vert="horz" wrap="square" lIns="0" tIns="12700" rIns="0" bIns="0" rtlCol="0">
+            <a:spAutoFit/>
+          </a:bodyPr>
+          <a:lstStyle/>
+          <a:p>
+            <a:pPr marL="12700" algn="ctr">
+              <a:spcBef>
+                <a:spcPts val="100"/>
+              </a:spcBef>
+            </a:pPr>
+            <a:r>
+              <a:rPr lang="en-US" sz="1200" b="1" dirty="0">
+                <a:latin typeface="Arial" panose="020B0604020202020204" pitchFamily="34" charset="0"/>
+                <a:ea typeface="Arial"/>
+                <a:cs typeface="Arial" panose="020B0604020202020204" pitchFamily="34" charset="0"/>
+                <a:sym typeface="Arial"/>
+              </a:rPr>
+              <a:t>WEATHER PREDICTION MODEL</a:t>
+            </a:r>
+            <a:endParaRPr lang="en-US" sz="1200" dirty="0">
+              <a:latin typeface="Arial" panose="020B0604020202020204" pitchFamily="34" charset="0"/>
+              <a:cs typeface="Arial" panose="020B0604020202020204" pitchFamily="34" charset="0"/>
+            </a:endParaRPr>
+          </a:p>
+          <a:p>
+            <a:pPr marL="12700" algn="ctr">
+              <a:lnSpc>
+                <a:spcPct val="100000"/>
+              </a:lnSpc>
+              <a:spcBef>
+                <a:spcPts val="100"/>
+              </a:spcBef>
+            </a:pPr>
+            <a:endParaRPr sz="1200" dirty="0">
+              <a:latin typeface="Calibri"/>
+              <a:cs typeface="Calibri"/>
+            </a:endParaRPr>
+          </a:p>
+        </p:txBody>
+      </p:sp>
+      <p:sp>
+        <p:nvSpPr>
+          <p:cNvPr id="7" name="object 8">
+            <a:extLst>
+              <a:ext uri="{FF2B5EF4-FFF2-40B4-BE49-F238E27FC236}">
+                <a16:creationId xmlns:a16="http://schemas.microsoft.com/office/drawing/2014/main" id="{6A47DFE2-470C-524C-754D-D97552D02E6B}"/>
+              </a:ext>
+            </a:extLst>
+          </p:cNvPr>
+          <p:cNvSpPr txBox="1"/>
+          <p:nvPr/>
+        </p:nvSpPr>
+        <p:spPr>
+          <a:xfrm>
+            <a:off x="78739" y="4895799"/>
+            <a:ext cx="683261" cy="197490"/>
+          </a:xfrm>
+          <a:prstGeom prst="rect">
+            <a:avLst/>
+          </a:prstGeom>
+        </p:spPr>
+        <p:txBody>
+          <a:bodyPr vert="horz" wrap="square" lIns="0" tIns="12700" rIns="0" bIns="0" rtlCol="0">
+            <a:spAutoFit/>
+          </a:bodyPr>
+          <a:lstStyle/>
+          <a:p>
+            <a:pPr marL="12700">
+              <a:lnSpc>
+                <a:spcPct val="100000"/>
+              </a:lnSpc>
+              <a:spcBef>
+                <a:spcPts val="100"/>
+              </a:spcBef>
+            </a:pPr>
+            <a:r>
+              <a:rPr lang="en-US" sz="1200" spc="-10" dirty="0">
+                <a:solidFill>
+                  <a:srgbClr val="888888"/>
+                </a:solidFill>
+                <a:latin typeface="Calibri"/>
+                <a:cs typeface="Calibri"/>
+              </a:rPr>
+              <a:t>15</a:t>
+            </a:r>
+            <a:r>
+              <a:rPr sz="1200" spc="-10" dirty="0">
+                <a:solidFill>
+                  <a:srgbClr val="888888"/>
+                </a:solidFill>
+                <a:latin typeface="Calibri"/>
+                <a:cs typeface="Calibri"/>
+              </a:rPr>
+              <a:t>/7/202</a:t>
+            </a:r>
+            <a:r>
+              <a:rPr sz="1200" dirty="0">
+                <a:solidFill>
+                  <a:srgbClr val="888888"/>
+                </a:solidFill>
+                <a:latin typeface="Calibri"/>
+                <a:cs typeface="Calibri"/>
+              </a:rPr>
+              <a:t>4</a:t>
+            </a:r>
+            <a:endParaRPr sz="1200" dirty="0">
+              <a:latin typeface="Calibri"/>
+              <a:cs typeface="Calibri"/>
+            </a:endParaRPr>
+          </a:p>
+        </p:txBody>
+      </p:sp>
+    </p:spTree>
+    <p:extLst>
+      <p:ext uri="{BB962C8B-B14F-4D97-AF65-F5344CB8AC3E}">
+        <p14:creationId xmlns:p14="http://schemas.microsoft.com/office/powerpoint/2010/main" val="1223065769"/>
+      </p:ext>
+    </p:extLst>
+  </p:cSld>
+  <p:clrMapOvr>
+    <a:masterClrMapping/>
+  </p:clrMapOvr>
+</p:sld>
+</file>
+
+<file path=ppt/slides/slide11.xml><?xml version="1.0" encoding="utf-8"?>
+<p:sld xmlns:a="http://schemas.openxmlformats.org/drawingml/2006/main" xmlns:r="http://schemas.openxmlformats.org/officeDocument/2006/relationships" xmlns:p="http://schemas.openxmlformats.org/presentationml/2006/main">
+  <p:cSld>
+    <p:spTree>
+      <p:nvGrpSpPr>
+        <p:cNvPr id="1" name=""/>
+        <p:cNvGrpSpPr/>
+        <p:nvPr/>
+      </p:nvGrpSpPr>
+      <p:grpSpPr>
+        <a:xfrm>
+          <a:off x="0" y="0"/>
+          <a:ext cx="0" cy="0"/>
+          <a:chOff x="0" y="0"/>
+          <a:chExt cx="0" cy="0"/>
+        </a:xfrm>
+      </p:grpSpPr>
+      <p:sp>
+        <p:nvSpPr>
+          <p:cNvPr id="2" name="object 2"/>
           <p:cNvSpPr txBox="1">
             <a:spLocks noGrp="1"/>
           </p:cNvSpPr>
@@ -2804,43 +3695,6 @@
       </p:sp>
       <p:sp>
         <p:nvSpPr>
-          <p:cNvPr id="5" name="object 5"/>
-          <p:cNvSpPr txBox="1">
-            <a:spLocks noGrp="1"/>
-          </p:cNvSpPr>
-          <p:nvPr>
-            <p:ph type="dt" sz="half" idx="6"/>
-          </p:nvPr>
-        </p:nvSpPr>
-        <p:spPr>
-          <a:prstGeom prst="rect">
-            <a:avLst/>
-          </a:prstGeom>
-        </p:spPr>
-        <p:txBody>
-          <a:bodyPr vert="horz" wrap="square" lIns="0" tIns="0" rIns="0" bIns="0" rtlCol="0">
-            <a:spAutoFit/>
-          </a:bodyPr>
-          <a:lstStyle/>
-          <a:p>
-            <a:pPr marL="12700">
-              <a:lnSpc>
-                <a:spcPts val="1240"/>
-              </a:lnSpc>
-            </a:pPr>
-            <a:r>
-              <a:rPr spc="-10" dirty="0"/>
-              <a:t>6/7/202</a:t>
-            </a:r>
-            <a:r>
-              <a:rPr dirty="0"/>
-              <a:t>4</a:t>
-            </a:r>
-          </a:p>
-        </p:txBody>
-      </p:sp>
-      <p:sp>
-        <p:nvSpPr>
           <p:cNvPr id="6" name="object 6"/>
           <p:cNvSpPr txBox="1">
             <a:spLocks noGrp="1"/>
@@ -2871,7 +3725,7 @@
             </a:pPr>
             <a:fld id="{81D60167-4931-47E6-BA6A-407CBD079E47}" type="slidenum">
               <a:rPr dirty="0"/>
-              <a:t>10</a:t>
+              <a:t>11</a:t>
             </a:fld>
             <a:endParaRPr dirty="0"/>
           </a:p>
@@ -2886,7 +3740,7 @@
         <p:spPr>
           <a:xfrm>
             <a:off x="258267" y="789508"/>
-            <a:ext cx="7738745" cy="3010696"/>
+            <a:ext cx="7738745" cy="3179973"/>
           </a:xfrm>
           <a:prstGeom prst="rect">
             <a:avLst/>
@@ -2913,7 +3767,7 @@
               <a:buChar char="•"/>
             </a:pPr>
             <a:r>
-              <a:rPr lang="en-US" dirty="0"/>
+              <a:rPr lang="en-US" b="1" dirty="0"/>
               <a:t>For Installing Python Libraries</a:t>
             </a:r>
           </a:p>
@@ -2925,8 +3779,8 @@
               <a:buSzPts val="2576"/>
             </a:pPr>
             <a:r>
-              <a:rPr lang="en-US" sz="1400" dirty="0"/>
-              <a:t>Python Packages - https://pypi.org/</a:t>
+              <a:rPr lang="en-US" sz="1600" dirty="0"/>
+              <a:t>Python Packages -          https://pypi.org/</a:t>
             </a:r>
           </a:p>
           <a:p>
@@ -2945,7 +3799,7 @@
               <a:buChar char="•"/>
             </a:pPr>
             <a:r>
-              <a:rPr lang="en-US" dirty="0"/>
+              <a:rPr lang="en-US" b="1" dirty="0"/>
               <a:t>For Building Model &amp; Data</a:t>
             </a:r>
           </a:p>
@@ -2961,15 +3815,15 @@
               <a:t>	</a:t>
             </a:r>
             <a:r>
-              <a:rPr lang="en-US" sz="1400" dirty="0"/>
+              <a:rPr lang="en-US" sz="1600" dirty="0"/>
               <a:t>Google </a:t>
             </a:r>
             <a:r>
-              <a:rPr lang="en-US" sz="1400" dirty="0" err="1"/>
+              <a:rPr lang="en-US" sz="1600" dirty="0" err="1"/>
               <a:t>Colab</a:t>
             </a:r>
             <a:r>
-              <a:rPr lang="en-US" sz="1400" dirty="0"/>
+              <a:rPr lang="en-US" sz="1600" dirty="0"/>
               <a:t>(Model) - https://colab.research.google.com/</a:t>
             </a:r>
           </a:p>
@@ -2987,8 +3841,8 @@
               <a:buSzPts val="2576"/>
             </a:pPr>
             <a:r>
-              <a:rPr lang="en-US" sz="1400" dirty="0"/>
-              <a:t>	Kaggle(Data) - https://www.kaggle.com/datasets/</a:t>
+              <a:rPr lang="en-US" sz="1600" dirty="0"/>
+              <a:t>	Kaggle(Data) -                 https://www.kaggle.com/datasets/</a:t>
             </a:r>
           </a:p>
           <a:p>
@@ -3007,7 +3861,7 @@
               <a:buChar char="•"/>
             </a:pPr>
             <a:r>
-              <a:rPr lang="en-US" dirty="0"/>
+              <a:rPr lang="en-US" b="1" dirty="0"/>
               <a:t>For Solving Error</a:t>
             </a:r>
           </a:p>
@@ -3029,8 +3883,8 @@
               <a:t>	</a:t>
             </a:r>
             <a:r>
-              <a:rPr lang="en-US" sz="1400" dirty="0"/>
-              <a:t>Geeks for geek – https://geeksforgeeks.org/</a:t>
+              <a:rPr lang="en-US" sz="1600" dirty="0"/>
+              <a:t>Geeks for geek -             https://geeksforgeeks.org/</a:t>
             </a:r>
           </a:p>
           <a:p>
@@ -3047,16 +3901,16 @@
               <a:buSzPts val="2576"/>
             </a:pPr>
             <a:r>
-              <a:rPr lang="en-US" sz="1400" dirty="0"/>
+              <a:rPr lang="en-US" sz="1600" dirty="0"/>
               <a:t>	Google </a:t>
             </a:r>
             <a:r>
-              <a:rPr lang="en-US" sz="1400" dirty="0" err="1"/>
+              <a:rPr lang="en-US" sz="1600" dirty="0" err="1"/>
               <a:t>Colab</a:t>
             </a:r>
             <a:r>
-              <a:rPr lang="en-US" sz="1400" dirty="0"/>
-              <a:t> - https://colab.research.google.com/</a:t>
+              <a:rPr lang="en-US" sz="1600" dirty="0"/>
+              <a:t> -                https://colab.research.google.com/</a:t>
             </a:r>
           </a:p>
           <a:p>
@@ -3073,16 +3927,16 @@
               <a:buSzPts val="2576"/>
             </a:pPr>
             <a:r>
-              <a:rPr lang="en-US" sz="1400" dirty="0"/>
+              <a:rPr lang="en-US" sz="1600" dirty="0"/>
               <a:t>	</a:t>
             </a:r>
             <a:r>
-              <a:rPr lang="en-US" sz="1400" dirty="0" err="1"/>
+              <a:rPr lang="en-US" sz="1600" dirty="0" err="1"/>
               <a:t>Tensorflow</a:t>
             </a:r>
             <a:r>
-              <a:rPr lang="en-US" sz="1400" dirty="0"/>
-              <a:t> - https://www.tensorflow.org/</a:t>
+              <a:rPr lang="en-US" sz="1600" dirty="0"/>
+              <a:t> -                    https://www.tensorflow.org/</a:t>
             </a:r>
           </a:p>
           <a:p>
@@ -3099,16 +3953,16 @@
               <a:buSzPts val="2576"/>
             </a:pPr>
             <a:r>
-              <a:rPr lang="en-US" sz="1400" dirty="0"/>
+              <a:rPr lang="en-US" sz="1600" dirty="0"/>
               <a:t>	</a:t>
             </a:r>
             <a:r>
-              <a:rPr lang="en-US" sz="1400" dirty="0" err="1"/>
+              <a:rPr lang="en-US" sz="1600" dirty="0" err="1"/>
               <a:t>Stackoverflow</a:t>
             </a:r>
             <a:r>
-              <a:rPr lang="en-US" sz="1400" dirty="0"/>
-              <a:t> - https://stackoverflow.com/</a:t>
+              <a:rPr lang="en-US" sz="1600" dirty="0"/>
+              <a:t> -               https://stackoverflow.com/</a:t>
             </a:r>
           </a:p>
           <a:p>
@@ -3196,6 +4050,78 @@
           </a:p>
         </p:txBody>
       </p:sp>
+      <p:sp>
+        <p:nvSpPr>
+          <p:cNvPr id="7" name="object 8">
+            <a:extLst>
+              <a:ext uri="{FF2B5EF4-FFF2-40B4-BE49-F238E27FC236}">
+                <a16:creationId xmlns:a16="http://schemas.microsoft.com/office/drawing/2014/main" id="{DC54FED3-6669-826E-12D6-17CE1DDC5F7C}"/>
+              </a:ext>
+            </a:extLst>
+          </p:cNvPr>
+          <p:cNvSpPr txBox="1"/>
+          <p:nvPr/>
+        </p:nvSpPr>
+        <p:spPr>
+          <a:xfrm>
+            <a:off x="78739" y="4895799"/>
+            <a:ext cx="683261" cy="197490"/>
+          </a:xfrm>
+          <a:prstGeom prst="rect">
+            <a:avLst/>
+          </a:prstGeom>
+        </p:spPr>
+        <p:txBody>
+          <a:bodyPr vert="horz" wrap="square" lIns="0" tIns="12700" rIns="0" bIns="0" rtlCol="0">
+            <a:spAutoFit/>
+          </a:bodyPr>
+          <a:lstStyle/>
+          <a:p>
+            <a:pPr marL="12700">
+              <a:lnSpc>
+                <a:spcPct val="100000"/>
+              </a:lnSpc>
+              <a:spcBef>
+                <a:spcPts val="100"/>
+              </a:spcBef>
+            </a:pPr>
+            <a:r>
+              <a:rPr lang="en-US" sz="1200" spc="-10" dirty="0">
+                <a:solidFill>
+                  <a:srgbClr val="888888"/>
+                </a:solidFill>
+                <a:latin typeface="Calibri"/>
+                <a:cs typeface="Calibri"/>
+              </a:rPr>
+              <a:t>15</a:t>
+            </a:r>
+            <a:r>
+              <a:rPr sz="1200" spc="-10" dirty="0">
+                <a:solidFill>
+                  <a:srgbClr val="888888"/>
+                </a:solidFill>
+                <a:latin typeface="Calibri"/>
+                <a:cs typeface="Calibri"/>
+              </a:rPr>
+              <a:t>/7/202</a:t>
+            </a:r>
+            <a:r>
+              <a:rPr sz="1200" dirty="0">
+                <a:solidFill>
+                  <a:srgbClr val="888888"/>
+                </a:solidFill>
+                <a:latin typeface="Calibri"/>
+                <a:cs typeface="Calibri"/>
+              </a:rPr>
+              <a:t>4</a:t>
+            </a:r>
+            <a:endParaRPr sz="1200" dirty="0">
+              <a:latin typeface="Calibri"/>
+              <a:cs typeface="Calibri"/>
+            </a:endParaRPr>
+          </a:p>
+        </p:txBody>
+      </p:sp>
     </p:spTree>
   </p:cSld>
   <p:clrMapOvr>
@@ -3204,7 +4130,7 @@
 </p:sld>
 </file>
 
-<file path=ppt/slides/slide11.xml><?xml version="1.0" encoding="utf-8"?>
+<file path=ppt/slides/slide12.xml><?xml version="1.0" encoding="utf-8"?>
 <p:sld xmlns:a="http://schemas.openxmlformats.org/drawingml/2006/main" xmlns:r="http://schemas.openxmlformats.org/officeDocument/2006/relationships" xmlns:p="http://schemas.openxmlformats.org/presentationml/2006/main">
   <p:cSld>
     <p:spTree>
@@ -3399,47 +4325,10 @@
               </a:rPr>
               <a:t>Content:</a:t>
             </a:r>
-            <a:endParaRPr sz="3200">
+            <a:endParaRPr sz="3200" dirty="0">
               <a:latin typeface="Cambria"/>
               <a:cs typeface="Cambria"/>
             </a:endParaRPr>
-          </a:p>
-        </p:txBody>
-      </p:sp>
-      <p:sp>
-        <p:nvSpPr>
-          <p:cNvPr id="6" name="object 6"/>
-          <p:cNvSpPr txBox="1">
-            <a:spLocks noGrp="1"/>
-          </p:cNvSpPr>
-          <p:nvPr>
-            <p:ph type="dt" sz="half" idx="6"/>
-          </p:nvPr>
-        </p:nvSpPr>
-        <p:spPr>
-          <a:prstGeom prst="rect">
-            <a:avLst/>
-          </a:prstGeom>
-        </p:spPr>
-        <p:txBody>
-          <a:bodyPr vert="horz" wrap="square" lIns="0" tIns="0" rIns="0" bIns="0" rtlCol="0">
-            <a:spAutoFit/>
-          </a:bodyPr>
-          <a:lstStyle/>
-          <a:p>
-            <a:pPr marL="12700">
-              <a:lnSpc>
-                <a:spcPts val="1240"/>
-              </a:lnSpc>
-            </a:pPr>
-            <a:r>
-              <a:rPr spc="-10" dirty="0"/>
-              <a:t>6/7/202</a:t>
-            </a:r>
-            <a:r>
-              <a:rPr dirty="0"/>
-              <a:t>4</a:t>
-            </a:r>
           </a:p>
         </p:txBody>
       </p:sp>
@@ -3836,6 +4725,78 @@
                 <a:spcPts val="100"/>
               </a:spcBef>
             </a:pPr>
+            <a:endParaRPr sz="1200" dirty="0">
+              <a:latin typeface="Calibri"/>
+              <a:cs typeface="Calibri"/>
+            </a:endParaRPr>
+          </a:p>
+        </p:txBody>
+      </p:sp>
+      <p:sp>
+        <p:nvSpPr>
+          <p:cNvPr id="8" name="object 8">
+            <a:extLst>
+              <a:ext uri="{FF2B5EF4-FFF2-40B4-BE49-F238E27FC236}">
+                <a16:creationId xmlns:a16="http://schemas.microsoft.com/office/drawing/2014/main" id="{F7B79E7D-E721-1A70-7349-AD387BB00DBA}"/>
+              </a:ext>
+            </a:extLst>
+          </p:cNvPr>
+          <p:cNvSpPr txBox="1"/>
+          <p:nvPr/>
+        </p:nvSpPr>
+        <p:spPr>
+          <a:xfrm>
+            <a:off x="78739" y="4895799"/>
+            <a:ext cx="683261" cy="197490"/>
+          </a:xfrm>
+          <a:prstGeom prst="rect">
+            <a:avLst/>
+          </a:prstGeom>
+        </p:spPr>
+        <p:txBody>
+          <a:bodyPr vert="horz" wrap="square" lIns="0" tIns="12700" rIns="0" bIns="0" rtlCol="0">
+            <a:spAutoFit/>
+          </a:bodyPr>
+          <a:lstStyle/>
+          <a:p>
+            <a:pPr marL="12700">
+              <a:lnSpc>
+                <a:spcPct val="100000"/>
+              </a:lnSpc>
+              <a:spcBef>
+                <a:spcPts val="100"/>
+              </a:spcBef>
+            </a:pPr>
+            <a:r>
+              <a:rPr lang="en-US" sz="1200" spc="-10" dirty="0">
+                <a:solidFill>
+                  <a:srgbClr val="888888"/>
+                </a:solidFill>
+                <a:latin typeface="Calibri"/>
+                <a:cs typeface="Calibri"/>
+              </a:rPr>
+              <a:t>15</a:t>
+            </a:r>
+            <a:r>
+              <a:rPr sz="1200" spc="-10" dirty="0">
+                <a:solidFill>
+                  <a:srgbClr val="888888"/>
+                </a:solidFill>
+                <a:latin typeface="Calibri"/>
+                <a:cs typeface="Calibri"/>
+              </a:rPr>
+              <a:t>/7/202</a:t>
+            </a:r>
+            <a:r>
+              <a:rPr sz="1200" dirty="0">
+                <a:solidFill>
+                  <a:srgbClr val="888888"/>
+                </a:solidFill>
+                <a:latin typeface="Calibri"/>
+                <a:cs typeface="Calibri"/>
+              </a:rPr>
+              <a:t>4</a:t>
+            </a:r>
             <a:endParaRPr sz="1200" dirty="0">
               <a:latin typeface="Calibri"/>
               <a:cs typeface="Calibri"/>
@@ -3927,43 +4888,6 @@
       </p:sp>
       <p:sp>
         <p:nvSpPr>
-          <p:cNvPr id="5" name="object 5"/>
-          <p:cNvSpPr txBox="1">
-            <a:spLocks noGrp="1"/>
-          </p:cNvSpPr>
-          <p:nvPr>
-            <p:ph type="dt" sz="half" idx="6"/>
-          </p:nvPr>
-        </p:nvSpPr>
-        <p:spPr>
-          <a:prstGeom prst="rect">
-            <a:avLst/>
-          </a:prstGeom>
-        </p:spPr>
-        <p:txBody>
-          <a:bodyPr vert="horz" wrap="square" lIns="0" tIns="0" rIns="0" bIns="0" rtlCol="0">
-            <a:spAutoFit/>
-          </a:bodyPr>
-          <a:lstStyle/>
-          <a:p>
-            <a:pPr marL="12700">
-              <a:lnSpc>
-                <a:spcPts val="1240"/>
-              </a:lnSpc>
-            </a:pPr>
-            <a:r>
-              <a:rPr spc="-10" dirty="0"/>
-              <a:t>6/7/202</a:t>
-            </a:r>
-            <a:r>
-              <a:rPr dirty="0"/>
-              <a:t>4</a:t>
-            </a:r>
-          </a:p>
-        </p:txBody>
-      </p:sp>
-      <p:sp>
-        <p:nvSpPr>
           <p:cNvPr id="6" name="object 6"/>
           <p:cNvSpPr txBox="1">
             <a:spLocks noGrp="1"/>
@@ -4005,7 +4929,7 @@
         <p:spPr>
           <a:xfrm>
             <a:off x="145601" y="692219"/>
-            <a:ext cx="8504733" cy="4457631"/>
+            <a:ext cx="8504733" cy="3121367"/>
           </a:xfrm>
           <a:prstGeom prst="rect">
             <a:avLst/>
@@ -4028,20 +4952,18 @@
             <a:r>
               <a:rPr lang="en-US" b="1" i="0" dirty="0">
                 <a:effectLst/>
-                <a:latin typeface="Google Sans"/>
               </a:rPr>
               <a:t>International Business Machines</a:t>
             </a:r>
             <a:r>
               <a:rPr lang="en-US" sz="1400" b="1" i="0" dirty="0">
                 <a:effectLst/>
-                <a:latin typeface="Calibri"/>
-                <a:cs typeface="Calibri"/>
-              </a:rPr>
-              <a:t> </a:t>
-            </a:r>
-            <a:r>
-              <a:rPr lang="en-US" dirty="0"/>
+                <a:cs typeface="Calibri"/>
+              </a:rPr>
+              <a:t> </a:t>
+            </a:r>
+            <a:r>
+              <a:rPr lang="en-US" sz="1600" dirty="0"/>
               <a:t>is a leading software development company specializing in delivering cutting-edge technology solutions to clients across diverse industries. With a focus on innovation, quality, and customer satisfaction, Tech Innovators Inc. provides a range of services including software development, cloud computing, data analytics, and IT consulting. </a:t>
             </a:r>
           </a:p>
@@ -4064,38 +4986,30 @@
             </a:r>
             <a:r>
               <a:rPr lang="en-US" dirty="0"/>
-              <a:t> The Software Development Department at </a:t>
-            </a:r>
-            <a:r>
-              <a:rPr lang="en-US" sz="1800" b="1" i="0" dirty="0">
+              <a:t> </a:t>
+            </a:r>
+            <a:r>
+              <a:rPr lang="en-US" sz="1600" dirty="0"/>
+              <a:t>The Software Development Department at </a:t>
+            </a:r>
+            <a:r>
+              <a:rPr lang="en-US" sz="1600" b="1" i="0" dirty="0">
                 <a:effectLst/>
-                <a:latin typeface="Google Sans"/>
               </a:rPr>
               <a:t>International Business Machines</a:t>
             </a:r>
             <a:r>
-              <a:rPr lang="en-US" sz="1400" b="1" i="0" dirty="0">
+              <a:rPr lang="en-US" sz="1600" b="1" i="0" dirty="0">
                 <a:effectLst/>
-                <a:latin typeface="Calibri"/>
-                <a:cs typeface="Calibri"/>
-              </a:rPr>
-              <a:t> </a:t>
-            </a:r>
-            <a:r>
-              <a:rPr lang="en-US" dirty="0"/>
-              <a:t>is dedicated to creating high-quality software solutions that meet the unique needs of our clients. The department is composed of talented developers, engineers, and testers who collaborate closely to ensure the delivery of robust, efficient, and scalable applications. By leveraging the latest technologies and agile methodologies, the Software Development Department focuses on continuous improvement, innovation, and maintaining high standards of software quality.</a:t>
-            </a:r>
-          </a:p>
-          <a:p>
-            <a:pPr marL="12700">
-              <a:lnSpc>
-                <a:spcPct val="100000"/>
-              </a:lnSpc>
-              <a:spcBef>
-                <a:spcPts val="100"/>
-              </a:spcBef>
-            </a:pPr>
-            <a:endParaRPr sz="1800" dirty="0">
+                <a:cs typeface="Calibri"/>
+              </a:rPr>
+              <a:t> </a:t>
+            </a:r>
+            <a:r>
+              <a:rPr lang="en-US" sz="1600" dirty="0"/>
+              <a:t>is dedicated to creating high-quality software solutions that meet the unique needs of our clients. The department is composed of talented developers, engineers, and testers who collaborate closely to ensure the delivery of robust, efficient, and scalable applications. By leveraging the latest technologies and agile methodologies.</a:t>
+            </a:r>
+            <a:endParaRPr sz="1400" dirty="0">
               <a:latin typeface="Calibri"/>
               <a:cs typeface="Calibri"/>
             </a:endParaRPr>
@@ -4117,7 +5031,7 @@
           <p:nvPr/>
         </p:nvPicPr>
         <p:blipFill>
-          <a:blip r:embed="rId2" cstate="print">
+          <a:blip r:embed="rId3" cstate="print">
             <a:extLst>
               <a:ext uri="{28A0092B-C50C-407E-A947-70E740481C1C}">
                 <a14:useLocalDpi xmlns:a14="http://schemas.microsoft.com/office/drawing/2010/main" val="0"/>
@@ -4204,6 +5118,78 @@
                 <a:spcPts val="100"/>
               </a:spcBef>
             </a:pPr>
+            <a:endParaRPr sz="1200" dirty="0">
+              <a:latin typeface="Calibri"/>
+              <a:cs typeface="Calibri"/>
+            </a:endParaRPr>
+          </a:p>
+        </p:txBody>
+      </p:sp>
+      <p:sp>
+        <p:nvSpPr>
+          <p:cNvPr id="8" name="object 8">
+            <a:extLst>
+              <a:ext uri="{FF2B5EF4-FFF2-40B4-BE49-F238E27FC236}">
+                <a16:creationId xmlns:a16="http://schemas.microsoft.com/office/drawing/2014/main" id="{ABDB1BC5-89A8-1AFE-A91B-343C43EAC152}"/>
+              </a:ext>
+            </a:extLst>
+          </p:cNvPr>
+          <p:cNvSpPr txBox="1"/>
+          <p:nvPr/>
+        </p:nvSpPr>
+        <p:spPr>
+          <a:xfrm>
+            <a:off x="78739" y="4895799"/>
+            <a:ext cx="683261" cy="197490"/>
+          </a:xfrm>
+          <a:prstGeom prst="rect">
+            <a:avLst/>
+          </a:prstGeom>
+        </p:spPr>
+        <p:txBody>
+          <a:bodyPr vert="horz" wrap="square" lIns="0" tIns="12700" rIns="0" bIns="0" rtlCol="0">
+            <a:spAutoFit/>
+          </a:bodyPr>
+          <a:lstStyle/>
+          <a:p>
+            <a:pPr marL="12700">
+              <a:lnSpc>
+                <a:spcPct val="100000"/>
+              </a:lnSpc>
+              <a:spcBef>
+                <a:spcPts val="100"/>
+              </a:spcBef>
+            </a:pPr>
+            <a:r>
+              <a:rPr lang="en-US" sz="1200" spc="-10" dirty="0">
+                <a:solidFill>
+                  <a:srgbClr val="888888"/>
+                </a:solidFill>
+                <a:latin typeface="Calibri"/>
+                <a:cs typeface="Calibri"/>
+              </a:rPr>
+              <a:t>15</a:t>
+            </a:r>
+            <a:r>
+              <a:rPr sz="1200" spc="-10" dirty="0">
+                <a:solidFill>
+                  <a:srgbClr val="888888"/>
+                </a:solidFill>
+                <a:latin typeface="Calibri"/>
+                <a:cs typeface="Calibri"/>
+              </a:rPr>
+              <a:t>/7/202</a:t>
+            </a:r>
+            <a:r>
+              <a:rPr sz="1200" dirty="0">
+                <a:solidFill>
+                  <a:srgbClr val="888888"/>
+                </a:solidFill>
+                <a:latin typeface="Calibri"/>
+                <a:cs typeface="Calibri"/>
+              </a:rPr>
+              <a:t>4</a:t>
+            </a:r>
             <a:endParaRPr sz="1200" dirty="0">
               <a:latin typeface="Calibri"/>
               <a:cs typeface="Calibri"/>
@@ -4319,47 +5305,10 @@
               </a:rPr>
               <a:t>internship</a:t>
             </a:r>
-            <a:endParaRPr sz="3200">
+            <a:endParaRPr sz="3200" dirty="0">
               <a:latin typeface="Cambria"/>
               <a:cs typeface="Cambria"/>
             </a:endParaRPr>
-          </a:p>
-        </p:txBody>
-      </p:sp>
-      <p:sp>
-        <p:nvSpPr>
-          <p:cNvPr id="5" name="object 5"/>
-          <p:cNvSpPr txBox="1">
-            <a:spLocks noGrp="1"/>
-          </p:cNvSpPr>
-          <p:nvPr>
-            <p:ph type="dt" sz="half" idx="6"/>
-          </p:nvPr>
-        </p:nvSpPr>
-        <p:spPr>
-          <a:prstGeom prst="rect">
-            <a:avLst/>
-          </a:prstGeom>
-        </p:spPr>
-        <p:txBody>
-          <a:bodyPr vert="horz" wrap="square" lIns="0" tIns="0" rIns="0" bIns="0" rtlCol="0">
-            <a:spAutoFit/>
-          </a:bodyPr>
-          <a:lstStyle/>
-          <a:p>
-            <a:pPr marL="12700">
-              <a:lnSpc>
-                <a:spcPts val="1240"/>
-              </a:lnSpc>
-            </a:pPr>
-            <a:r>
-              <a:rPr spc="-10" dirty="0"/>
-              <a:t>6/7/202</a:t>
-            </a:r>
-            <a:r>
-              <a:rPr dirty="0"/>
-              <a:t>4</a:t>
-            </a:r>
           </a:p>
         </p:txBody>
       </p:sp>
@@ -4406,7 +5355,7 @@
         <p:spPr>
           <a:xfrm>
             <a:off x="258267" y="789508"/>
-            <a:ext cx="8846744" cy="3398366"/>
+            <a:ext cx="8846744" cy="3860031"/>
           </a:xfrm>
           <a:prstGeom prst="rect">
             <a:avLst/>
@@ -4437,7 +5386,7 @@
               <a:t> </a:t>
             </a:r>
             <a:r>
-              <a:rPr lang="en-US" sz="1400" dirty="0"/>
+              <a:rPr lang="en-US" sz="1600" dirty="0"/>
               <a:t>I was excited about the opportunity to apply my Python programming skills to a real-world project. I was curious about the challenges I would face and eager to learn new technologies and methodologies.</a:t>
             </a:r>
           </a:p>
@@ -4446,7 +5395,7 @@
               <a:buFont typeface="Arial" panose="020B0604020202020204" pitchFamily="34" charset="0"/>
               <a:buChar char="•"/>
             </a:pPr>
-            <a:endParaRPr lang="en-US" sz="1400" dirty="0"/>
+            <a:endParaRPr lang="en-US" sz="1600" dirty="0"/>
           </a:p>
           <a:p>
             <a:pPr>
@@ -4462,8 +5411,20 @@
               <a:t> </a:t>
             </a:r>
             <a:r>
-              <a:rPr lang="en-US" sz="1400" dirty="0"/>
+              <a:rPr lang="en-US" sz="1600" dirty="0"/>
               <a:t>I spent time reviewing Python concepts, familiarizing myself with libraries related to data analysis and weather prediction, and reading about the company’s background and the projects they were working on.</a:t>
+            </a:r>
+          </a:p>
+          <a:p>
+            <a:endParaRPr lang="en-US" sz="1600" dirty="0"/>
+          </a:p>
+          <a:p>
+            <a:endParaRPr lang="en-US" sz="1600" dirty="0"/>
+          </a:p>
+          <a:p>
+            <a:r>
+              <a:rPr lang="en-US" b="1" dirty="0"/>
+              <a:t>During the Internship</a:t>
             </a:r>
           </a:p>
           <a:p>
@@ -4471,12 +5432,17 @@
               <a:buFont typeface="Arial" panose="020B0604020202020204" pitchFamily="34" charset="0"/>
               <a:buChar char="•"/>
             </a:pPr>
-            <a:endParaRPr lang="en-US" sz="1400" dirty="0"/>
-          </a:p>
-          <a:p>
             <a:r>
               <a:rPr lang="en-US" b="1" dirty="0"/>
-              <a:t>During the Internship</a:t>
+              <a:t>Initial Learning Curve:</a:t>
+            </a:r>
+            <a:r>
+              <a:rPr lang="en-US" dirty="0"/>
+              <a:t> </a:t>
+            </a:r>
+            <a:r>
+              <a:rPr lang="en-US" sz="1600" dirty="0"/>
+              <a:t>The beginning was a bit overwhelming as I had to quickly adapt to the company’s workflow and tools. However, the structured onboarding process and supportive team made the transition smoother.</a:t>
             </a:r>
           </a:p>
           <a:p>
@@ -4484,44 +5450,7 @@
               <a:buFont typeface="Arial" panose="020B0604020202020204" pitchFamily="34" charset="0"/>
               <a:buChar char="•"/>
             </a:pPr>
-            <a:r>
-              <a:rPr lang="en-US" b="1" dirty="0"/>
-              <a:t>Initial Learning Curve:</a:t>
-            </a:r>
-            <a:r>
-              <a:rPr lang="en-US" dirty="0"/>
-              <a:t> </a:t>
-            </a:r>
-            <a:r>
-              <a:rPr lang="en-US" sz="1400" dirty="0"/>
-              <a:t>The beginning was a bit overwhelming as I had to quickly adapt to the company’s workflow and tools. However, the structured onboarding process and supportive team made the transition smoother.</a:t>
-            </a:r>
-          </a:p>
-          <a:p>
-            <a:pPr>
-              <a:buFont typeface="Arial" panose="020B0604020202020204" pitchFamily="34" charset="0"/>
-              <a:buChar char="•"/>
-            </a:pPr>
-            <a:endParaRPr lang="en-US" sz="1400" dirty="0"/>
-          </a:p>
-          <a:p>
-            <a:pPr>
-              <a:buFont typeface="Arial" panose="020B0604020202020204" pitchFamily="34" charset="0"/>
-              <a:buChar char="•"/>
-            </a:pPr>
-            <a:r>
-              <a:rPr lang="en-US" b="1" dirty="0"/>
-              <a:t>Active Collaboration:</a:t>
-            </a:r>
-            <a:r>
-              <a:rPr lang="en-US" dirty="0"/>
-              <a:t> </a:t>
-            </a:r>
-            <a:r>
-              <a:rPr lang="en-US" sz="1400" dirty="0"/>
-              <a:t>I actively collaborated with my mentor and team members, participating in meetings, code reviews, and discussions. This helped me understand the project requirements and align my work with the team’s objectives.</a:t>
-            </a:r>
-            <a:endParaRPr lang="en-US" dirty="0"/>
+            <a:endParaRPr lang="en-US" sz="1600" dirty="0"/>
           </a:p>
         </p:txBody>
       </p:sp>
@@ -4580,6 +5509,78 @@
                 <a:spcPts val="100"/>
               </a:spcBef>
             </a:pPr>
+            <a:endParaRPr sz="1200" dirty="0">
+              <a:latin typeface="Calibri"/>
+              <a:cs typeface="Calibri"/>
+            </a:endParaRPr>
+          </a:p>
+        </p:txBody>
+      </p:sp>
+      <p:sp>
+        <p:nvSpPr>
+          <p:cNvPr id="7" name="object 8">
+            <a:extLst>
+              <a:ext uri="{FF2B5EF4-FFF2-40B4-BE49-F238E27FC236}">
+                <a16:creationId xmlns:a16="http://schemas.microsoft.com/office/drawing/2014/main" id="{9C86CE33-4911-875C-FB76-030A49FE96C7}"/>
+              </a:ext>
+            </a:extLst>
+          </p:cNvPr>
+          <p:cNvSpPr txBox="1"/>
+          <p:nvPr/>
+        </p:nvSpPr>
+        <p:spPr>
+          <a:xfrm>
+            <a:off x="78739" y="4895799"/>
+            <a:ext cx="683261" cy="197490"/>
+          </a:xfrm>
+          <a:prstGeom prst="rect">
+            <a:avLst/>
+          </a:prstGeom>
+        </p:spPr>
+        <p:txBody>
+          <a:bodyPr vert="horz" wrap="square" lIns="0" tIns="12700" rIns="0" bIns="0" rtlCol="0">
+            <a:spAutoFit/>
+          </a:bodyPr>
+          <a:lstStyle/>
+          <a:p>
+            <a:pPr marL="12700">
+              <a:lnSpc>
+                <a:spcPct val="100000"/>
+              </a:lnSpc>
+              <a:spcBef>
+                <a:spcPts val="100"/>
+              </a:spcBef>
+            </a:pPr>
+            <a:r>
+              <a:rPr lang="en-US" sz="1200" spc="-10" dirty="0">
+                <a:solidFill>
+                  <a:srgbClr val="888888"/>
+                </a:solidFill>
+                <a:latin typeface="Calibri"/>
+                <a:cs typeface="Calibri"/>
+              </a:rPr>
+              <a:t>15</a:t>
+            </a:r>
+            <a:r>
+              <a:rPr sz="1200" spc="-10" dirty="0">
+                <a:solidFill>
+                  <a:srgbClr val="888888"/>
+                </a:solidFill>
+                <a:latin typeface="Calibri"/>
+                <a:cs typeface="Calibri"/>
+              </a:rPr>
+              <a:t>/7/202</a:t>
+            </a:r>
+            <a:r>
+              <a:rPr sz="1200" dirty="0">
+                <a:solidFill>
+                  <a:srgbClr val="888888"/>
+                </a:solidFill>
+                <a:latin typeface="Calibri"/>
+                <a:cs typeface="Calibri"/>
+              </a:rPr>
+              <a:t>4</a:t>
+            </a:r>
             <a:endParaRPr sz="1200" dirty="0">
               <a:latin typeface="Calibri"/>
               <a:cs typeface="Calibri"/>
@@ -4709,43 +5710,6 @@
       </p:sp>
       <p:sp>
         <p:nvSpPr>
-          <p:cNvPr id="5" name="object 5"/>
-          <p:cNvSpPr txBox="1">
-            <a:spLocks noGrp="1"/>
-          </p:cNvSpPr>
-          <p:nvPr>
-            <p:ph type="dt" sz="half" idx="6"/>
-          </p:nvPr>
-        </p:nvSpPr>
-        <p:spPr>
-          <a:prstGeom prst="rect">
-            <a:avLst/>
-          </a:prstGeom>
-        </p:spPr>
-        <p:txBody>
-          <a:bodyPr vert="horz" wrap="square" lIns="0" tIns="0" rIns="0" bIns="0" rtlCol="0">
-            <a:spAutoFit/>
-          </a:bodyPr>
-          <a:lstStyle/>
-          <a:p>
-            <a:pPr marL="12700">
-              <a:lnSpc>
-                <a:spcPts val="1240"/>
-              </a:lnSpc>
-            </a:pPr>
-            <a:r>
-              <a:rPr spc="-10" dirty="0"/>
-              <a:t>6/7/202</a:t>
-            </a:r>
-            <a:r>
-              <a:rPr dirty="0"/>
-              <a:t>4</a:t>
-            </a:r>
-          </a:p>
-        </p:txBody>
-      </p:sp>
-      <p:sp>
-        <p:nvSpPr>
           <p:cNvPr id="6" name="object 6"/>
           <p:cNvSpPr txBox="1">
             <a:spLocks noGrp="1"/>
@@ -4787,7 +5751,7 @@
         <p:spPr>
           <a:xfrm>
             <a:off x="258267" y="789508"/>
-            <a:ext cx="8846744" cy="4396075"/>
+            <a:ext cx="8846744" cy="2598147"/>
           </a:xfrm>
           <a:prstGeom prst="rect">
             <a:avLst/>
@@ -4811,15 +5775,15 @@
             </a:pPr>
             <a:r>
               <a:rPr lang="en-US" b="1" dirty="0"/>
-              <a:t>Hands-On Experience:</a:t>
+              <a:t>Active Collaboration:</a:t>
             </a:r>
             <a:r>
               <a:rPr lang="en-US" dirty="0"/>
               <a:t> </a:t>
             </a:r>
             <a:r>
-              <a:rPr lang="en-US" sz="1400" dirty="0"/>
-              <a:t>Working on the weather prediction model, I applied my Python skills to collect and preprocess weather data, build and train machine learning models, and evaluate their performance. I also learned to use version control systems like Git and tools for data visualization.</a:t>
+              <a:rPr lang="en-US" sz="1600" dirty="0"/>
+              <a:t>I actively collaborated with my mentor and team members, participating in meetings, code reviews, and discussions. This helped me understand the project requirements and align my work with the team’s objectives.</a:t>
             </a:r>
           </a:p>
           <a:p>
@@ -4827,7 +5791,7 @@
               <a:buFont typeface="Arial" panose="020B0604020202020204" pitchFamily="34" charset="0"/>
               <a:buChar char="•"/>
             </a:pPr>
-            <a:endParaRPr lang="en-US" sz="1400" dirty="0"/>
+            <a:endParaRPr lang="en-US" sz="1600" dirty="0"/>
           </a:p>
           <a:p>
             <a:pPr>
@@ -4836,15 +5800,11 @@
             </a:pPr>
             <a:r>
               <a:rPr lang="en-US" b="1" dirty="0"/>
-              <a:t>Problem-Solving:</a:t>
-            </a:r>
-            <a:r>
-              <a:rPr lang="en-US" dirty="0"/>
-              <a:t> </a:t>
-            </a:r>
-            <a:r>
-              <a:rPr lang="en-US" sz="1400" dirty="0"/>
-              <a:t>I encountered several challenges, such as handling missing data, choosing the right algorithms, and optimizing model performance. These challenges taught me the importance of persistence, research, and asking for help when needed.</a:t>
+              <a:t>Hands-On Experience:</a:t>
+            </a:r>
+            <a:r>
+              <a:rPr lang="en-US" sz="1600" dirty="0"/>
+              <a:t> Working on the weather prediction model, I applied my Python skills to collect and preprocess weather data, build and train machine learning models, and evaluate their performance. I also learned to use version control systems like Git and tools for data visualization.</a:t>
             </a:r>
           </a:p>
           <a:p>
@@ -4852,88 +5812,14 @@
               <a:buFont typeface="Arial" panose="020B0604020202020204" pitchFamily="34" charset="0"/>
               <a:buChar char="•"/>
             </a:pPr>
-            <a:endParaRPr lang="en-US" sz="1400" dirty="0"/>
-          </a:p>
-          <a:p>
-            <a:r>
-              <a:rPr lang="en-US" b="1" dirty="0"/>
-              <a:t>After the Internship</a:t>
-            </a:r>
+            <a:endParaRPr lang="en-US" sz="1600" dirty="0"/>
           </a:p>
           <a:p>
             <a:pPr>
               <a:buFont typeface="Arial" panose="020B0604020202020204" pitchFamily="34" charset="0"/>
               <a:buChar char="•"/>
             </a:pPr>
-            <a:r>
-              <a:rPr lang="en-US" b="1" dirty="0"/>
-              <a:t>Reflection and Growth:</a:t>
-            </a:r>
-            <a:r>
-              <a:rPr lang="en-US" dirty="0"/>
-              <a:t> </a:t>
-            </a:r>
-            <a:r>
-              <a:rPr lang="en-US" sz="1400" dirty="0"/>
-              <a:t>Reflecting on the internship, I realized how much I had grown both technically and professionally. I gained a deeper understanding of machine learning, data processing, and model evaluation.</a:t>
-            </a:r>
-          </a:p>
-          <a:p>
-            <a:pPr>
-              <a:buFont typeface="Arial" panose="020B0604020202020204" pitchFamily="34" charset="0"/>
-              <a:buChar char="•"/>
-            </a:pPr>
-            <a:endParaRPr lang="en-US" sz="1400" dirty="0"/>
-          </a:p>
-          <a:p>
-            <a:pPr>
-              <a:buFont typeface="Arial" panose="020B0604020202020204" pitchFamily="34" charset="0"/>
-              <a:buChar char="•"/>
-            </a:pPr>
-            <a:r>
-              <a:rPr lang="en-US" b="1" dirty="0"/>
-              <a:t>Confidence:</a:t>
-            </a:r>
-            <a:r>
-              <a:rPr lang="en-US" dirty="0"/>
-              <a:t> </a:t>
-            </a:r>
-            <a:r>
-              <a:rPr lang="en-US" sz="1400" dirty="0"/>
-              <a:t>Successfully working on a real-world project boosted my confidence in my abilities to tackle complex problems and contribute to a team.</a:t>
-            </a:r>
-          </a:p>
-          <a:p>
-            <a:pPr>
-              <a:buFont typeface="Arial" panose="020B0604020202020204" pitchFamily="34" charset="0"/>
-              <a:buChar char="•"/>
-            </a:pPr>
-            <a:r>
-              <a:rPr lang="en-US" b="1" dirty="0"/>
-              <a:t>Career Aspirations:</a:t>
-            </a:r>
-            <a:r>
-              <a:rPr lang="en-US" dirty="0"/>
-              <a:t> </a:t>
-            </a:r>
-            <a:r>
-              <a:rPr lang="en-US" sz="1400" dirty="0"/>
-              <a:t>The experience solidified my interest in data science and machine learning, and I became more enthusiastic about pursuing a career in this field.</a:t>
-            </a:r>
-          </a:p>
-          <a:p>
-            <a:pPr marL="12700">
-              <a:lnSpc>
-                <a:spcPct val="100000"/>
-              </a:lnSpc>
-              <a:spcBef>
-                <a:spcPts val="100"/>
-              </a:spcBef>
-            </a:pPr>
-            <a:endParaRPr sz="1800" dirty="0">
-              <a:latin typeface="Calibri"/>
-              <a:cs typeface="Calibri"/>
-            </a:endParaRPr>
+            <a:endParaRPr lang="en-US" dirty="0"/>
           </a:p>
         </p:txBody>
       </p:sp>
@@ -4942,7 +5828,7 @@
           <p:cNvPr id="4" name="object 3">
             <a:extLst>
               <a:ext uri="{FF2B5EF4-FFF2-40B4-BE49-F238E27FC236}">
-                <a16:creationId xmlns:a16="http://schemas.microsoft.com/office/drawing/2014/main" id="{4677BF45-3D6B-9E5A-C341-F33063BF665C}"/>
+                <a16:creationId xmlns:a16="http://schemas.microsoft.com/office/drawing/2014/main" id="{C3DD948E-1110-6CDE-C95F-B0D3AED7260D}"/>
               </a:ext>
             </a:extLst>
           </p:cNvPr>
@@ -4999,7 +5885,84 @@
           </a:p>
         </p:txBody>
       </p:sp>
+      <p:sp>
+        <p:nvSpPr>
+          <p:cNvPr id="7" name="object 8">
+            <a:extLst>
+              <a:ext uri="{FF2B5EF4-FFF2-40B4-BE49-F238E27FC236}">
+                <a16:creationId xmlns:a16="http://schemas.microsoft.com/office/drawing/2014/main" id="{9C86CE33-4911-875C-FB76-030A49FE96C7}"/>
+              </a:ext>
+            </a:extLst>
+          </p:cNvPr>
+          <p:cNvSpPr txBox="1"/>
+          <p:nvPr/>
+        </p:nvSpPr>
+        <p:spPr>
+          <a:xfrm>
+            <a:off x="78739" y="4895799"/>
+            <a:ext cx="683261" cy="197490"/>
+          </a:xfrm>
+          <a:prstGeom prst="rect">
+            <a:avLst/>
+          </a:prstGeom>
+        </p:spPr>
+        <p:txBody>
+          <a:bodyPr vert="horz" wrap="square" lIns="0" tIns="12700" rIns="0" bIns="0" rtlCol="0">
+            <a:spAutoFit/>
+          </a:bodyPr>
+          <a:lstStyle/>
+          <a:p>
+            <a:pPr marL="12700">
+              <a:lnSpc>
+                <a:spcPct val="100000"/>
+              </a:lnSpc>
+              <a:spcBef>
+                <a:spcPts val="100"/>
+              </a:spcBef>
+            </a:pPr>
+            <a:r>
+              <a:rPr lang="en-US" sz="1200" spc="-10" dirty="0">
+                <a:solidFill>
+                  <a:srgbClr val="888888"/>
+                </a:solidFill>
+                <a:latin typeface="Calibri"/>
+                <a:cs typeface="Calibri"/>
+              </a:rPr>
+              <a:t>15</a:t>
+            </a:r>
+            <a:r>
+              <a:rPr sz="1200" spc="-10" dirty="0">
+                <a:solidFill>
+                  <a:srgbClr val="888888"/>
+                </a:solidFill>
+                <a:latin typeface="Calibri"/>
+                <a:cs typeface="Calibri"/>
+              </a:rPr>
+              <a:t>/7/202</a:t>
+            </a:r>
+            <a:r>
+              <a:rPr sz="1200" dirty="0">
+                <a:solidFill>
+                  <a:srgbClr val="888888"/>
+                </a:solidFill>
+                <a:latin typeface="Calibri"/>
+                <a:cs typeface="Calibri"/>
+              </a:rPr>
+              <a:t>4</a:t>
+            </a:r>
+            <a:endParaRPr sz="1200" dirty="0">
+              <a:latin typeface="Calibri"/>
+              <a:cs typeface="Calibri"/>
+            </a:endParaRPr>
+          </a:p>
+        </p:txBody>
+      </p:sp>
     </p:spTree>
+    <p:extLst>
+      <p:ext uri="{BB962C8B-B14F-4D97-AF65-F5344CB8AC3E}">
+        <p14:creationId xmlns:p14="http://schemas.microsoft.com/office/powerpoint/2010/main" val="4099697411"/>
+      </p:ext>
+    </p:extLst>
   </p:cSld>
   <p:clrMapOvr>
     <a:masterClrMapping/>
@@ -5037,7 +6000,7 @@
         <p:spPr>
           <a:xfrm>
             <a:off x="78739" y="23825"/>
-            <a:ext cx="6768465" cy="512445"/>
+            <a:ext cx="4902835" cy="512445"/>
           </a:xfrm>
           <a:prstGeom prst="rect">
             <a:avLst/>
@@ -5065,7 +6028,27 @@
                 <a:latin typeface="Cambria"/>
                 <a:cs typeface="Cambria"/>
               </a:rPr>
-              <a:t>Proficiency</a:t>
+              <a:t>Expectation</a:t>
+            </a:r>
+            <a:r>
+              <a:rPr sz="3200" spc="-15" dirty="0">
+                <a:solidFill>
+                  <a:srgbClr val="000000"/>
+                </a:solidFill>
+                <a:latin typeface="Cambria"/>
+                <a:cs typeface="Cambria"/>
+              </a:rPr>
+              <a:t> </a:t>
+            </a:r>
+            <a:r>
+              <a:rPr sz="3200" spc="-20" dirty="0">
+                <a:solidFill>
+                  <a:srgbClr val="000000"/>
+                </a:solidFill>
+                <a:latin typeface="Cambria"/>
+                <a:cs typeface="Cambria"/>
+              </a:rPr>
+              <a:t>from</a:t>
             </a:r>
             <a:r>
               <a:rPr sz="3200" spc="10" dirty="0">
@@ -5078,136 +6061,19 @@
               <a:t> </a:t>
             </a:r>
             <a:r>
-              <a:rPr sz="3200" dirty="0">
+              <a:rPr sz="3200" spc="-10" dirty="0">
                 <a:solidFill>
                   <a:srgbClr val="000000"/>
                 </a:solidFill>
                 <a:latin typeface="Cambria"/>
                 <a:cs typeface="Cambria"/>
               </a:rPr>
-              <a:t>of</a:t>
-            </a:r>
-            <a:r>
-              <a:rPr sz="3200" spc="-15" dirty="0">
-                <a:solidFill>
-                  <a:srgbClr val="000000"/>
-                </a:solidFill>
-                <a:latin typeface="Cambria"/>
-                <a:cs typeface="Cambria"/>
-              </a:rPr>
-              <a:t> </a:t>
-            </a:r>
-            <a:r>
-              <a:rPr sz="3200" spc="-55" dirty="0">
-                <a:solidFill>
-                  <a:srgbClr val="000000"/>
-                </a:solidFill>
-                <a:latin typeface="Cambria"/>
-                <a:cs typeface="Cambria"/>
-              </a:rPr>
-              <a:t>Tools</a:t>
-            </a:r>
-            <a:r>
-              <a:rPr sz="3200" spc="5" dirty="0">
-                <a:solidFill>
-                  <a:srgbClr val="000000"/>
-                </a:solidFill>
-                <a:latin typeface="Cambria"/>
-                <a:cs typeface="Cambria"/>
-              </a:rPr>
-              <a:t> </a:t>
-            </a:r>
-            <a:r>
-              <a:rPr sz="3200" spc="-5" dirty="0">
-                <a:solidFill>
-                  <a:srgbClr val="000000"/>
-                </a:solidFill>
-                <a:latin typeface="Cambria"/>
-                <a:cs typeface="Cambria"/>
-              </a:rPr>
-              <a:t>&amp;</a:t>
-            </a:r>
-            <a:r>
-              <a:rPr sz="3200" spc="-10" dirty="0">
-                <a:solidFill>
-                  <a:srgbClr val="000000"/>
-                </a:solidFill>
-                <a:latin typeface="Cambria"/>
-                <a:cs typeface="Cambria"/>
-              </a:rPr>
-              <a:t> </a:t>
-            </a:r>
-            <a:r>
-              <a:rPr sz="3200" spc="-30" dirty="0">
-                <a:solidFill>
-                  <a:srgbClr val="000000"/>
-                </a:solidFill>
-                <a:latin typeface="Cambria"/>
-                <a:cs typeface="Cambria"/>
-              </a:rPr>
-              <a:t>Technology</a:t>
-            </a:r>
-            <a:r>
-              <a:rPr sz="3200" spc="25" dirty="0">
-                <a:solidFill>
-                  <a:srgbClr val="000000"/>
-                </a:solidFill>
-                <a:latin typeface="Cambria"/>
-                <a:cs typeface="Cambria"/>
-              </a:rPr>
-              <a:t> </a:t>
-            </a:r>
-            <a:r>
-              <a:rPr sz="3200" spc="-10" dirty="0">
-                <a:solidFill>
-                  <a:srgbClr val="000000"/>
-                </a:solidFill>
-                <a:latin typeface="Cambria"/>
-                <a:cs typeface="Cambria"/>
-              </a:rPr>
-              <a:t>used</a:t>
-            </a:r>
-            <a:endParaRPr sz="3200">
+              <a:t>internship</a:t>
+            </a:r>
+            <a:endParaRPr sz="3200" dirty="0">
               <a:latin typeface="Cambria"/>
               <a:cs typeface="Cambria"/>
             </a:endParaRPr>
-          </a:p>
-        </p:txBody>
-      </p:sp>
-      <p:sp>
-        <p:nvSpPr>
-          <p:cNvPr id="5" name="object 5"/>
-          <p:cNvSpPr txBox="1">
-            <a:spLocks noGrp="1"/>
-          </p:cNvSpPr>
-          <p:nvPr>
-            <p:ph type="dt" sz="half" idx="6"/>
-          </p:nvPr>
-        </p:nvSpPr>
-        <p:spPr>
-          <a:prstGeom prst="rect">
-            <a:avLst/>
-          </a:prstGeom>
-        </p:spPr>
-        <p:txBody>
-          <a:bodyPr vert="horz" wrap="square" lIns="0" tIns="0" rIns="0" bIns="0" rtlCol="0">
-            <a:spAutoFit/>
-          </a:bodyPr>
-          <a:lstStyle/>
-          <a:p>
-            <a:pPr marL="12700">
-              <a:lnSpc>
-                <a:spcPts val="1240"/>
-              </a:lnSpc>
-            </a:pPr>
-            <a:r>
-              <a:rPr spc="-10" dirty="0"/>
-              <a:t>6/7/202</a:t>
-            </a:r>
-            <a:r>
-              <a:rPr dirty="0"/>
-              <a:t>4</a:t>
-            </a:r>
           </a:p>
         </p:txBody>
       </p:sp>
@@ -5254,7 +6120,7 @@
         <p:spPr>
           <a:xfrm>
             <a:off x="258267" y="789508"/>
-            <a:ext cx="7910830" cy="3096232"/>
+            <a:ext cx="8846744" cy="3626634"/>
           </a:xfrm>
           <a:prstGeom prst="rect">
             <a:avLst/>
@@ -5266,330 +6132,97 @@
           </a:bodyPr>
           <a:lstStyle/>
           <a:p>
-            <a:pPr marL="306000" lvl="0" indent="-306000" algn="l" rtl="0">
-              <a:lnSpc>
-                <a:spcPct val="100000"/>
-              </a:lnSpc>
-              <a:spcBef>
-                <a:spcPts val="0"/>
-              </a:spcBef>
-              <a:spcAft>
-                <a:spcPts val="0"/>
-              </a:spcAft>
-              <a:buSzPts val="1840"/>
+            <a:r>
+              <a:rPr lang="en-US" b="1" dirty="0"/>
+              <a:t>During the Internship</a:t>
+            </a:r>
+            <a:endParaRPr lang="en-US" sz="1400" dirty="0"/>
+          </a:p>
+          <a:p>
+            <a:pPr>
               <a:buFont typeface="Arial" panose="020B0604020202020204" pitchFamily="34" charset="0"/>
               <a:buChar char="•"/>
             </a:pPr>
             <a:r>
-              <a:rPr lang="en-US" sz="1400" b="0" i="0" u="none" strike="noStrike" cap="none" dirty="0">
-                <a:solidFill>
-                  <a:srgbClr val="0C0C0C"/>
-                </a:solidFill>
-              </a:rPr>
-              <a:t>We had written a script in Python using libraries such as</a:t>
-            </a:r>
-            <a:endParaRPr lang="en-US" sz="1400" dirty="0"/>
-          </a:p>
-          <a:p>
-            <a:pPr marL="306000" lvl="0" indent="-306000" algn="l" rtl="0">
-              <a:lnSpc>
-                <a:spcPct val="100000"/>
-              </a:lnSpc>
-              <a:spcBef>
-                <a:spcPts val="0"/>
-              </a:spcBef>
-              <a:spcAft>
-                <a:spcPts val="0"/>
-              </a:spcAft>
-              <a:buSzPts val="1840"/>
+              <a:rPr lang="en-US" b="1" dirty="0"/>
+              <a:t>Problem-Solving:</a:t>
+            </a:r>
+            <a:r>
+              <a:rPr lang="en-US" dirty="0"/>
+              <a:t> </a:t>
+            </a:r>
+            <a:r>
+              <a:rPr lang="en-US" sz="1600" dirty="0"/>
+              <a:t>I encountered several challenges, such as handling missing data, choosing the right algorithms, and optimizing model performance. These challenges taught me the importance of persistence, research, and asking for help when needed.</a:t>
+            </a:r>
+          </a:p>
+          <a:p>
+            <a:endParaRPr lang="en-US" sz="1600" dirty="0"/>
+          </a:p>
+          <a:p>
+            <a:pPr>
               <a:buFont typeface="Arial" panose="020B0604020202020204" pitchFamily="34" charset="0"/>
               <a:buChar char="•"/>
             </a:pPr>
-            <a:r>
-              <a:rPr lang="en-US" sz="1400" b="1" i="0" u="none" strike="noStrike" cap="none" dirty="0">
-                <a:solidFill>
-                  <a:srgbClr val="0C0C0C"/>
-                </a:solidFill>
-              </a:rPr>
-              <a:t>NumPy</a:t>
-            </a:r>
-            <a:r>
-              <a:rPr lang="en-US" sz="1400" b="0" i="0" u="none" strike="noStrike" cap="none" dirty="0">
-                <a:solidFill>
-                  <a:srgbClr val="0C0C0C"/>
-                </a:solidFill>
-              </a:rPr>
-              <a:t>, </a:t>
-            </a:r>
-            <a:r>
-              <a:rPr lang="en-US" sz="1400" b="1" i="0" u="none" strike="noStrike" cap="none" dirty="0">
-                <a:solidFill>
-                  <a:srgbClr val="0C0C0C"/>
-                </a:solidFill>
-              </a:rPr>
-              <a:t>Pandas</a:t>
-            </a:r>
-            <a:r>
-              <a:rPr lang="en-US" sz="1400" b="0" i="0" u="none" strike="noStrike" cap="none" dirty="0">
-                <a:solidFill>
-                  <a:srgbClr val="0C0C0C"/>
-                </a:solidFill>
-              </a:rPr>
-              <a:t>, </a:t>
-            </a:r>
-            <a:r>
-              <a:rPr lang="en-US" sz="1400" b="1" i="0" u="none" strike="noStrike" cap="none" dirty="0">
-                <a:solidFill>
-                  <a:srgbClr val="0C0C0C"/>
-                </a:solidFill>
-              </a:rPr>
-              <a:t>matplotlib</a:t>
-            </a:r>
-            <a:r>
-              <a:rPr lang="en-US" sz="1400" b="0" i="0" u="none" strike="noStrike" cap="none" dirty="0">
-                <a:solidFill>
-                  <a:srgbClr val="0C0C0C"/>
-                </a:solidFill>
-              </a:rPr>
-              <a:t>, and </a:t>
-            </a:r>
-            <a:r>
-              <a:rPr lang="en-US" sz="1400" b="1" i="0" u="none" strike="noStrike" cap="none" dirty="0" err="1">
-                <a:solidFill>
-                  <a:srgbClr val="0C0C0C"/>
-                </a:solidFill>
-              </a:rPr>
-              <a:t>Keras</a:t>
-            </a:r>
-            <a:r>
-              <a:rPr lang="en-US" sz="1400" b="0" i="0" u="none" strike="noStrike" cap="none" dirty="0">
-                <a:solidFill>
-                  <a:srgbClr val="0C0C0C"/>
-                </a:solidFill>
-              </a:rPr>
-              <a:t> for a simple regression task.</a:t>
-            </a:r>
             <a:endParaRPr lang="en-US" sz="1400" dirty="0"/>
           </a:p>
           <a:p>
-            <a:pPr marL="402590" lvl="0" indent="-285750" algn="l" rtl="0">
-              <a:lnSpc>
-                <a:spcPct val="100000"/>
-              </a:lnSpc>
-              <a:spcBef>
-                <a:spcPts val="0"/>
-              </a:spcBef>
-              <a:spcAft>
-                <a:spcPts val="0"/>
-              </a:spcAft>
-              <a:buSzPts val="1840"/>
+            <a:r>
+              <a:rPr lang="en-US" b="1" dirty="0"/>
+              <a:t>After the Internship</a:t>
+            </a:r>
+          </a:p>
+          <a:p>
+            <a:pPr>
               <a:buFont typeface="Arial" panose="020B0604020202020204" pitchFamily="34" charset="0"/>
               <a:buChar char="•"/>
             </a:pPr>
-            <a:endParaRPr lang="en-US" sz="1400" b="0" i="0" u="none" strike="noStrike" cap="none" dirty="0">
-              <a:solidFill>
-                <a:srgbClr val="0C0C0C"/>
-              </a:solidFill>
-            </a:endParaRPr>
-          </a:p>
-          <a:p>
-            <a:pPr marL="306000" lvl="0" indent="-306000" algn="l" rtl="0">
-              <a:lnSpc>
-                <a:spcPct val="100000"/>
-              </a:lnSpc>
-              <a:spcBef>
-                <a:spcPts val="0"/>
-              </a:spcBef>
-              <a:spcAft>
-                <a:spcPts val="0"/>
-              </a:spcAft>
-              <a:buSzPts val="1840"/>
+            <a:r>
+              <a:rPr lang="en-US" b="1" dirty="0"/>
+              <a:t>Reflection and Growth:</a:t>
+            </a:r>
+            <a:r>
+              <a:rPr lang="en-US" dirty="0"/>
+              <a:t> </a:t>
+            </a:r>
+            <a:r>
+              <a:rPr lang="en-US" sz="1600" dirty="0"/>
+              <a:t>Reflecting on the internship, I realized how much I had grown both technically and professionally. I gained a deeper understanding of machine learning, data processing, and model evaluation.</a:t>
+            </a:r>
+          </a:p>
+          <a:p>
+            <a:pPr>
               <a:buFont typeface="Arial" panose="020B0604020202020204" pitchFamily="34" charset="0"/>
               <a:buChar char="•"/>
             </a:pPr>
-            <a:r>
-              <a:rPr lang="en-US" b="1" dirty="0">
-                <a:solidFill>
-                  <a:srgbClr val="0C0C0C"/>
-                </a:solidFill>
-              </a:rPr>
-              <a:t>NumPy</a:t>
-            </a:r>
-            <a:r>
-              <a:rPr lang="en-US" sz="1400" b="1" dirty="0">
-                <a:solidFill>
-                  <a:srgbClr val="0C0C0C"/>
-                </a:solidFill>
-              </a:rPr>
-              <a:t> </a:t>
-            </a:r>
-            <a:r>
-              <a:rPr lang="en-US" sz="1400" b="0" i="0" dirty="0">
-                <a:solidFill>
-                  <a:srgbClr val="0C0C0C"/>
-                </a:solidFill>
-              </a:rPr>
-              <a:t>is a general-purpose array-processing package. It provides a high-performance multidimensional array object, and tools for working with these arrays.</a:t>
-            </a:r>
-            <a:endParaRPr lang="en-US" sz="1400" b="1" dirty="0">
-              <a:solidFill>
-                <a:srgbClr val="0C0C0C"/>
-              </a:solidFill>
-            </a:endParaRPr>
-          </a:p>
-          <a:p>
-            <a:pPr marL="306000" lvl="0" indent="-306000" algn="l" rtl="0">
-              <a:lnSpc>
-                <a:spcPct val="110000"/>
-              </a:lnSpc>
-              <a:spcBef>
-                <a:spcPts val="400"/>
-              </a:spcBef>
-              <a:spcAft>
-                <a:spcPts val="0"/>
-              </a:spcAft>
-              <a:buSzPts val="1840"/>
+            <a:endParaRPr lang="en-US" sz="1600" dirty="0"/>
+          </a:p>
+          <a:p>
+            <a:pPr>
               <a:buFont typeface="Arial" panose="020B0604020202020204" pitchFamily="34" charset="0"/>
               <a:buChar char="•"/>
             </a:pPr>
             <a:r>
-              <a:rPr lang="en-US" b="1" i="0" u="none" strike="noStrike" cap="none" dirty="0">
-                <a:solidFill>
-                  <a:srgbClr val="0C0C0C"/>
-                </a:solidFill>
-              </a:rPr>
-              <a:t>Pandas</a:t>
-            </a:r>
-            <a:r>
-              <a:rPr lang="en-US" sz="1400" b="0" i="0" dirty="0">
-                <a:solidFill>
-                  <a:srgbClr val="000000"/>
-                </a:solidFill>
-              </a:rPr>
-              <a:t> has functions for analyzing, cleaning, exploring, and manipulating data. The name "Pandas" has a reference to both "Panel Data", and "Python Data Analysis" and was created by Wes McKinney in 2008.</a:t>
-            </a:r>
-            <a:endParaRPr lang="en-US" sz="1400" b="1" i="0" u="none" strike="noStrike" cap="none" dirty="0">
-              <a:solidFill>
-                <a:srgbClr val="0C0C0C"/>
-              </a:solidFill>
-            </a:endParaRPr>
-          </a:p>
-          <a:p>
-            <a:pPr marL="306000" lvl="0" indent="-306000" algn="l" rtl="0">
+              <a:rPr lang="en-US" b="1" dirty="0"/>
+              <a:t>Confidence:</a:t>
+            </a:r>
+            <a:r>
+              <a:rPr lang="en-US" dirty="0"/>
+              <a:t> </a:t>
+            </a:r>
+            <a:r>
+              <a:rPr lang="en-US" sz="1600" dirty="0"/>
+              <a:t>Successfully working on a real-world project boosted my confidence in my abilities to tackle complex problems and contribute to a team.</a:t>
+            </a:r>
+          </a:p>
+          <a:p>
+            <a:pPr marL="12700">
               <a:lnSpc>
                 <a:spcPct val="100000"/>
               </a:lnSpc>
               <a:spcBef>
-                <a:spcPts val="600"/>
-              </a:spcBef>
-              <a:spcAft>
-                <a:spcPts val="0"/>
-              </a:spcAft>
-              <a:buSzPts val="1840"/>
-              <a:buFont typeface="Arial" panose="020B0604020202020204" pitchFamily="34" charset="0"/>
-              <a:buChar char="•"/>
-            </a:pPr>
-            <a:r>
-              <a:rPr lang="en-US" b="1" dirty="0">
-                <a:solidFill>
-                  <a:srgbClr val="0C0C0C"/>
-                </a:solidFill>
-              </a:rPr>
-              <a:t>Matplotlib</a:t>
-            </a:r>
-            <a:r>
-              <a:rPr lang="en-US" sz="1400" b="1" dirty="0">
-                <a:solidFill>
-                  <a:srgbClr val="0C0C0C"/>
-                </a:solidFill>
-              </a:rPr>
-              <a:t> </a:t>
-            </a:r>
-            <a:r>
-              <a:rPr lang="en-US" sz="1400" b="0" i="0" dirty="0">
-                <a:solidFill>
-                  <a:srgbClr val="0C0C0C"/>
-                </a:solidFill>
-              </a:rPr>
-              <a:t> is an amazing visualization library in </a:t>
-            </a:r>
-            <a:r>
-              <a:rPr lang="en-US" sz="1400" b="1" i="0" dirty="0">
-                <a:solidFill>
-                  <a:srgbClr val="0C0C0C"/>
-                </a:solidFill>
-              </a:rPr>
-              <a:t>Python </a:t>
-            </a:r>
-            <a:r>
-              <a:rPr lang="en-US" sz="1400" b="0" i="0" dirty="0">
-                <a:solidFill>
-                  <a:srgbClr val="0C0C0C"/>
-                </a:solidFill>
-              </a:rPr>
-              <a:t>for 2D plots of arrays. Matplotlib is a multi-platform data visualization library built on NumPy arrays and designed to work with the broader SciPy stack.</a:t>
-            </a:r>
-            <a:endParaRPr lang="en-US" sz="1400" b="1" dirty="0">
-              <a:solidFill>
-                <a:srgbClr val="0C0C0C"/>
-              </a:solidFill>
-            </a:endParaRPr>
-          </a:p>
-          <a:p>
-            <a:pPr marL="306000" lvl="0" indent="-306000" algn="l" rtl="0">
-              <a:lnSpc>
-                <a:spcPct val="100000"/>
-              </a:lnSpc>
-              <a:spcBef>
-                <a:spcPts val="0"/>
-              </a:spcBef>
-              <a:spcAft>
-                <a:spcPts val="0"/>
-              </a:spcAft>
-              <a:buSzPts val="1840"/>
-              <a:buFont typeface="Arial" panose="020B0604020202020204" pitchFamily="34" charset="0"/>
-              <a:buChar char="•"/>
-            </a:pPr>
-            <a:r>
-              <a:rPr lang="en-US" b="1" i="0" u="none" strike="noStrike" cap="none" dirty="0" err="1">
-                <a:solidFill>
-                  <a:srgbClr val="0C0C0C"/>
-                </a:solidFill>
-              </a:rPr>
-              <a:t>Keras</a:t>
-            </a:r>
-            <a:r>
-              <a:rPr lang="en-US" sz="1400" b="1" i="0" u="none" strike="noStrike" cap="none" dirty="0">
-                <a:solidFill>
-                  <a:srgbClr val="0C0C0C"/>
-                </a:solidFill>
-              </a:rPr>
-              <a:t> </a:t>
-            </a:r>
-            <a:r>
-              <a:rPr lang="en-US" sz="1400" b="0" i="0" dirty="0">
-                <a:solidFill>
-                  <a:srgbClr val="4D5156"/>
-                </a:solidFill>
-              </a:rPr>
-              <a:t>is a high-level, user-friendly API used for building and training neural networks.</a:t>
-            </a:r>
-            <a:endParaRPr lang="en-US" sz="1400" b="0" i="0" u="none" strike="noStrike" cap="none" dirty="0">
-              <a:solidFill>
-                <a:srgbClr val="0C0C0C"/>
-              </a:solidFill>
-            </a:endParaRPr>
-          </a:p>
-          <a:p>
-            <a:pPr marL="298450" indent="-285750">
-              <a:lnSpc>
-                <a:spcPct val="100000"/>
-              </a:lnSpc>
-              <a:spcBef>
                 <a:spcPts val="100"/>
               </a:spcBef>
-              <a:buFont typeface="Arial" panose="020B0604020202020204" pitchFamily="34" charset="0"/>
-              <a:buChar char="•"/>
             </a:pPr>
             <a:endParaRPr sz="1800" dirty="0">
               <a:latin typeface="Calibri"/>
@@ -5603,7 +6236,7 @@
           <p:cNvPr id="4" name="object 3">
             <a:extLst>
               <a:ext uri="{FF2B5EF4-FFF2-40B4-BE49-F238E27FC236}">
-                <a16:creationId xmlns:a16="http://schemas.microsoft.com/office/drawing/2014/main" id="{44C4BC02-24B6-3923-2BFF-13F9C0A2CC07}"/>
+                <a16:creationId xmlns:a16="http://schemas.microsoft.com/office/drawing/2014/main" id="{4677BF45-3D6B-9E5A-C341-F33063BF665C}"/>
               </a:ext>
             </a:extLst>
           </p:cNvPr>
@@ -5653,6 +6286,78 @@
                 <a:spcPts val="100"/>
               </a:spcBef>
             </a:pPr>
+            <a:endParaRPr sz="1200" dirty="0">
+              <a:latin typeface="Calibri"/>
+              <a:cs typeface="Calibri"/>
+            </a:endParaRPr>
+          </a:p>
+        </p:txBody>
+      </p:sp>
+      <p:sp>
+        <p:nvSpPr>
+          <p:cNvPr id="7" name="object 8">
+            <a:extLst>
+              <a:ext uri="{FF2B5EF4-FFF2-40B4-BE49-F238E27FC236}">
+                <a16:creationId xmlns:a16="http://schemas.microsoft.com/office/drawing/2014/main" id="{ECBF39D5-DA2F-CB1A-4094-DF2E16170BF7}"/>
+              </a:ext>
+            </a:extLst>
+          </p:cNvPr>
+          <p:cNvSpPr txBox="1"/>
+          <p:nvPr/>
+        </p:nvSpPr>
+        <p:spPr>
+          <a:xfrm>
+            <a:off x="78739" y="4895799"/>
+            <a:ext cx="683261" cy="197490"/>
+          </a:xfrm>
+          <a:prstGeom prst="rect">
+            <a:avLst/>
+          </a:prstGeom>
+        </p:spPr>
+        <p:txBody>
+          <a:bodyPr vert="horz" wrap="square" lIns="0" tIns="12700" rIns="0" bIns="0" rtlCol="0">
+            <a:spAutoFit/>
+          </a:bodyPr>
+          <a:lstStyle/>
+          <a:p>
+            <a:pPr marL="12700">
+              <a:lnSpc>
+                <a:spcPct val="100000"/>
+              </a:lnSpc>
+              <a:spcBef>
+                <a:spcPts val="100"/>
+              </a:spcBef>
+            </a:pPr>
+            <a:r>
+              <a:rPr lang="en-US" sz="1200" spc="-10" dirty="0">
+                <a:solidFill>
+                  <a:srgbClr val="888888"/>
+                </a:solidFill>
+                <a:latin typeface="Calibri"/>
+                <a:cs typeface="Calibri"/>
+              </a:rPr>
+              <a:t>15</a:t>
+            </a:r>
+            <a:r>
+              <a:rPr sz="1200" spc="-10" dirty="0">
+                <a:solidFill>
+                  <a:srgbClr val="888888"/>
+                </a:solidFill>
+                <a:latin typeface="Calibri"/>
+                <a:cs typeface="Calibri"/>
+              </a:rPr>
+              <a:t>/7/202</a:t>
+            </a:r>
+            <a:r>
+              <a:rPr sz="1200" dirty="0">
+                <a:solidFill>
+                  <a:srgbClr val="888888"/>
+                </a:solidFill>
+                <a:latin typeface="Calibri"/>
+                <a:cs typeface="Calibri"/>
+              </a:rPr>
+              <a:t>4</a:t>
+            </a:r>
             <a:endParaRPr sz="1200" dirty="0">
               <a:latin typeface="Calibri"/>
               <a:cs typeface="Calibri"/>
@@ -5828,47 +6533,10 @@
               </a:rPr>
               <a:t>used</a:t>
             </a:r>
-            <a:endParaRPr sz="3200">
+            <a:endParaRPr sz="3200" dirty="0">
               <a:latin typeface="Cambria"/>
               <a:cs typeface="Cambria"/>
             </a:endParaRPr>
-          </a:p>
-        </p:txBody>
-      </p:sp>
-      <p:sp>
-        <p:nvSpPr>
-          <p:cNvPr id="5" name="object 5"/>
-          <p:cNvSpPr txBox="1">
-            <a:spLocks noGrp="1"/>
-          </p:cNvSpPr>
-          <p:nvPr>
-            <p:ph type="dt" sz="half" idx="6"/>
-          </p:nvPr>
-        </p:nvSpPr>
-        <p:spPr>
-          <a:prstGeom prst="rect">
-            <a:avLst/>
-          </a:prstGeom>
-        </p:spPr>
-        <p:txBody>
-          <a:bodyPr vert="horz" wrap="square" lIns="0" tIns="0" rIns="0" bIns="0" rtlCol="0">
-            <a:spAutoFit/>
-          </a:bodyPr>
-          <a:lstStyle/>
-          <a:p>
-            <a:pPr marL="12700">
-              <a:lnSpc>
-                <a:spcPts val="1240"/>
-              </a:lnSpc>
-            </a:pPr>
-            <a:r>
-              <a:rPr spc="-10" dirty="0"/>
-              <a:t>6/7/202</a:t>
-            </a:r>
-            <a:r>
-              <a:rPr dirty="0"/>
-              <a:t>4</a:t>
-            </a:r>
           </a:p>
         </p:txBody>
       </p:sp>
@@ -5914,8 +6582,8 @@
         </p:nvSpPr>
         <p:spPr>
           <a:xfrm>
-            <a:off x="258266" y="789508"/>
-            <a:ext cx="8123733" cy="3272691"/>
+            <a:off x="258267" y="789508"/>
+            <a:ext cx="7910830" cy="3770263"/>
           </a:xfrm>
           <a:prstGeom prst="rect">
             <a:avLst/>
@@ -5927,183 +6595,348 @@
           </a:bodyPr>
           <a:lstStyle/>
           <a:p>
-            <a:r>
-              <a:rPr lang="en-US" b="1" dirty="0"/>
-              <a:t>Overview of Building the Weather Prediction Model</a:t>
-            </a:r>
-          </a:p>
-          <a:p>
-            <a:pPr marL="298450" indent="-285750">
+            <a:pPr marL="306000" lvl="0" indent="-306000" algn="l" rtl="0">
               <a:lnSpc>
                 <a:spcPct val="100000"/>
               </a:lnSpc>
               <a:spcBef>
-                <a:spcPts val="100"/>
-              </a:spcBef>
+                <a:spcPts val="0"/>
+              </a:spcBef>
+              <a:spcAft>
+                <a:spcPts val="0"/>
+              </a:spcAft>
+              <a:buSzPts val="1840"/>
               <a:buFont typeface="Arial" panose="020B0604020202020204" pitchFamily="34" charset="0"/>
               <a:buChar char="•"/>
             </a:pPr>
             <a:r>
-              <a:rPr lang="en-US" sz="1800" b="1" dirty="0">
-                <a:latin typeface="Calibri"/>
-                <a:cs typeface="Calibri"/>
-              </a:rPr>
-              <a:t>Model Building: </a:t>
-            </a:r>
-            <a:r>
-              <a:rPr lang="en-US" sz="1400" dirty="0">
-                <a:latin typeface="Calibri"/>
-                <a:cs typeface="Calibri"/>
-              </a:rPr>
-              <a:t>Choosing the Model</a:t>
-            </a:r>
-            <a:r>
-              <a:rPr lang="en-US" sz="1400" b="1" dirty="0">
-                <a:latin typeface="Calibri"/>
-                <a:cs typeface="Calibri"/>
-              </a:rPr>
-              <a:t> - </a:t>
-            </a:r>
-            <a:r>
-              <a:rPr lang="en-US" sz="1400" dirty="0">
-                <a:latin typeface="Calibri"/>
-                <a:cs typeface="Calibri"/>
-              </a:rPr>
-              <a:t>I experimented with different machine learning algorithms, including linear regression and neural networks. </a:t>
-            </a:r>
-          </a:p>
-          <a:p>
-            <a:pPr marL="12700">
+              <a:rPr lang="en-US" sz="1600" b="0" i="0" u="none" strike="noStrike" cap="none" dirty="0">
+                <a:solidFill>
+                  <a:srgbClr val="0C0C0C"/>
+                </a:solidFill>
+              </a:rPr>
+              <a:t>We had written the script in Python using libraries such as</a:t>
+            </a:r>
+            <a:endParaRPr lang="en-US" sz="1600" dirty="0"/>
+          </a:p>
+          <a:p>
+            <a:pPr marL="306000" lvl="0" indent="-306000" algn="l" rtl="0">
               <a:lnSpc>
                 <a:spcPct val="100000"/>
               </a:lnSpc>
               <a:spcBef>
-                <a:spcPts val="100"/>
-              </a:spcBef>
-            </a:pPr>
-            <a:r>
-              <a:rPr lang="en-US" sz="1400" dirty="0">
-                <a:latin typeface="Calibri"/>
-                <a:cs typeface="Calibri"/>
-              </a:rPr>
-              <a:t>       Implementing Models - Using </a:t>
-            </a:r>
-            <a:r>
-              <a:rPr lang="en-US" sz="1400" dirty="0" err="1">
-                <a:latin typeface="Calibri"/>
-                <a:cs typeface="Calibri"/>
-              </a:rPr>
-              <a:t>Keras</a:t>
-            </a:r>
-            <a:r>
-              <a:rPr lang="en-US" sz="1400" dirty="0">
-                <a:latin typeface="Calibri"/>
-                <a:cs typeface="Calibri"/>
-              </a:rPr>
-              <a:t>, I built neural network models. I defined the model architecture,    </a:t>
-            </a:r>
-          </a:p>
-          <a:p>
-            <a:pPr marL="12700">
-              <a:lnSpc>
-                <a:spcPct val="100000"/>
-              </a:lnSpc>
-              <a:spcBef>
-                <a:spcPts val="100"/>
-              </a:spcBef>
-            </a:pPr>
-            <a:r>
-              <a:rPr lang="en-US" sz="1400" dirty="0">
-                <a:latin typeface="Calibri"/>
-                <a:cs typeface="Calibri"/>
-              </a:rPr>
-              <a:t>       compiled the model with appropriate loss functions and optimizers, and trained it on the preprocessed data.</a:t>
-            </a:r>
-          </a:p>
-          <a:p>
-            <a:pPr marL="12700">
-              <a:lnSpc>
-                <a:spcPct val="100000"/>
-              </a:lnSpc>
-              <a:spcBef>
-                <a:spcPts val="100"/>
-              </a:spcBef>
-            </a:pPr>
-            <a:endParaRPr lang="en-US" sz="1400" dirty="0">
-              <a:latin typeface="Calibri"/>
-              <a:cs typeface="Calibri"/>
-            </a:endParaRPr>
-          </a:p>
-          <a:p>
-            <a:pPr marL="298450" indent="-285750">
-              <a:lnSpc>
-                <a:spcPct val="100000"/>
-              </a:lnSpc>
-              <a:spcBef>
-                <a:spcPts val="100"/>
-              </a:spcBef>
+                <a:spcPts val="0"/>
+              </a:spcBef>
+              <a:spcAft>
+                <a:spcPts val="0"/>
+              </a:spcAft>
+              <a:buSzPts val="1840"/>
               <a:buFont typeface="Arial" panose="020B0604020202020204" pitchFamily="34" charset="0"/>
               <a:buChar char="•"/>
             </a:pPr>
             <a:r>
-              <a:rPr lang="en-US" sz="1800" b="1" dirty="0">
-                <a:latin typeface="Calibri"/>
-                <a:cs typeface="Calibri"/>
-              </a:rPr>
-              <a:t>Evaluation: </a:t>
-            </a:r>
-            <a:r>
-              <a:rPr lang="en-US" sz="1400" dirty="0">
-                <a:latin typeface="Calibri"/>
-                <a:cs typeface="Calibri"/>
-              </a:rPr>
-              <a:t>I evaluated model performance using metrics such as Mean Absolute Error (MAE) for regression tasks. I also visualized the model’s predictions versus actual values to assess accuracy.</a:t>
-            </a:r>
-          </a:p>
-          <a:p>
-            <a:pPr marL="298450" indent="-285750">
+              <a:rPr lang="en-US" sz="1600" b="1" i="0" u="none" strike="noStrike" cap="none" dirty="0">
+                <a:solidFill>
+                  <a:srgbClr val="0C0C0C"/>
+                </a:solidFill>
+              </a:rPr>
+              <a:t>NumPy</a:t>
+            </a:r>
+            <a:r>
+              <a:rPr lang="en-US" sz="1600" b="0" i="0" u="none" strike="noStrike" cap="none" dirty="0">
+                <a:solidFill>
+                  <a:srgbClr val="0C0C0C"/>
+                </a:solidFill>
+              </a:rPr>
+              <a:t>, </a:t>
+            </a:r>
+            <a:r>
+              <a:rPr lang="en-US" sz="1600" b="1" i="0" u="none" strike="noStrike" cap="none" dirty="0">
+                <a:solidFill>
+                  <a:srgbClr val="0C0C0C"/>
+                </a:solidFill>
+              </a:rPr>
+              <a:t>Pandas</a:t>
+            </a:r>
+            <a:r>
+              <a:rPr lang="en-US" sz="1600" b="0" i="0" u="none" strike="noStrike" cap="none" dirty="0">
+                <a:solidFill>
+                  <a:srgbClr val="0C0C0C"/>
+                </a:solidFill>
+              </a:rPr>
+              <a:t>, </a:t>
+            </a:r>
+            <a:r>
+              <a:rPr lang="en-US" sz="1600" b="1" i="0" u="none" strike="noStrike" cap="none" dirty="0">
+                <a:solidFill>
+                  <a:srgbClr val="0C0C0C"/>
+                </a:solidFill>
+              </a:rPr>
+              <a:t>matplotlib</a:t>
+            </a:r>
+            <a:r>
+              <a:rPr lang="en-US" sz="1600" b="0" i="0" u="none" strike="noStrike" cap="none" dirty="0">
+                <a:solidFill>
+                  <a:srgbClr val="0C0C0C"/>
+                </a:solidFill>
+              </a:rPr>
+              <a:t>, and </a:t>
+            </a:r>
+            <a:r>
+              <a:rPr lang="en-US" sz="1600" b="1" i="0" u="none" strike="noStrike" cap="none" dirty="0" err="1">
+                <a:solidFill>
+                  <a:srgbClr val="0C0C0C"/>
+                </a:solidFill>
+              </a:rPr>
+              <a:t>Keras</a:t>
+            </a:r>
+            <a:r>
+              <a:rPr lang="en-US" sz="1600" b="0" i="0" u="none" strike="noStrike" cap="none" dirty="0">
+                <a:solidFill>
+                  <a:srgbClr val="0C0C0C"/>
+                </a:solidFill>
+              </a:rPr>
+              <a:t> for a simple regression task.</a:t>
+            </a:r>
+          </a:p>
+          <a:p>
+            <a:pPr lvl="0" algn="l" rtl="0">
               <a:lnSpc>
                 <a:spcPct val="100000"/>
               </a:lnSpc>
               <a:spcBef>
-                <a:spcPts val="100"/>
-              </a:spcBef>
+                <a:spcPts val="0"/>
+              </a:spcBef>
+              <a:spcAft>
+                <a:spcPts val="0"/>
+              </a:spcAft>
+              <a:buSzPts val="1840"/>
+            </a:pPr>
+            <a:endParaRPr lang="en-US" sz="1400" dirty="0"/>
+          </a:p>
+          <a:p>
+            <a:pPr marL="402590" lvl="0" indent="-285750" algn="l" rtl="0">
+              <a:lnSpc>
+                <a:spcPct val="100000"/>
+              </a:lnSpc>
+              <a:spcBef>
+                <a:spcPts val="0"/>
+              </a:spcBef>
+              <a:spcAft>
+                <a:spcPts val="0"/>
+              </a:spcAft>
+              <a:buSzPts val="1840"/>
               <a:buFont typeface="Arial" panose="020B0604020202020204" pitchFamily="34" charset="0"/>
               <a:buChar char="•"/>
             </a:pPr>
-            <a:endParaRPr lang="en-US" sz="1800" b="1" dirty="0">
-              <a:latin typeface="Calibri"/>
-              <a:cs typeface="Calibri"/>
+            <a:endParaRPr lang="en-US" sz="1400" b="0" i="0" u="none" strike="noStrike" cap="none" dirty="0">
+              <a:solidFill>
+                <a:srgbClr val="0C0C0C"/>
+              </a:solidFill>
             </a:endParaRPr>
           </a:p>
           <a:p>
-            <a:pPr marL="298450" indent="-285750">
+            <a:pPr marL="306000" lvl="0" indent="-306000" algn="l" rtl="0">
               <a:lnSpc>
                 <a:spcPct val="100000"/>
               </a:lnSpc>
               <a:spcBef>
-                <a:spcPts val="100"/>
-              </a:spcBef>
+                <a:spcPts val="0"/>
+              </a:spcBef>
+              <a:spcAft>
+                <a:spcPts val="0"/>
+              </a:spcAft>
+              <a:buSzPts val="1840"/>
               <a:buFont typeface="Arial" panose="020B0604020202020204" pitchFamily="34" charset="0"/>
               <a:buChar char="•"/>
             </a:pPr>
             <a:r>
-              <a:rPr lang="en-US" sz="1800" b="1" dirty="0">
-                <a:latin typeface="Calibri"/>
-                <a:cs typeface="Calibri"/>
-              </a:rPr>
-              <a:t>Documentation and Presentation: </a:t>
-            </a:r>
-            <a:r>
-              <a:rPr lang="en-US" sz="1400" dirty="0">
-                <a:latin typeface="Calibri"/>
-                <a:cs typeface="Calibri"/>
-              </a:rPr>
-              <a:t>I documented the entire process, including data collection, preprocessing steps, model selection, and results. I also created visualizations to present 	my findings and the performance of the prediction models to the team.</a:t>
-            </a:r>
-            <a:endParaRPr lang="en-US" sz="1800" dirty="0">
-              <a:latin typeface="Calibri"/>
-              <a:cs typeface="Calibri"/>
+              <a:rPr lang="en-US" b="1" dirty="0">
+                <a:solidFill>
+                  <a:srgbClr val="0C0C0C"/>
+                </a:solidFill>
+              </a:rPr>
+              <a:t>NumPy</a:t>
+            </a:r>
+            <a:r>
+              <a:rPr lang="en-US" sz="1400" b="1" dirty="0">
+                <a:solidFill>
+                  <a:srgbClr val="0C0C0C"/>
+                </a:solidFill>
+              </a:rPr>
+              <a:t> </a:t>
+            </a:r>
+            <a:r>
+              <a:rPr lang="en-US" sz="1600" b="0" i="0" dirty="0">
+                <a:solidFill>
+                  <a:srgbClr val="0C0C0C"/>
+                </a:solidFill>
+              </a:rPr>
+              <a:t>is a general-purpose array-processing package. It provides a high-performance multidimensional array object, and tools for working with these arrays.</a:t>
+            </a:r>
+            <a:endParaRPr lang="en-US" sz="1600" b="1" dirty="0">
+              <a:solidFill>
+                <a:srgbClr val="0C0C0C"/>
+              </a:solidFill>
+            </a:endParaRPr>
+          </a:p>
+          <a:p>
+            <a:pPr marL="306000" lvl="0" indent="-306000" algn="l" rtl="0">
+              <a:lnSpc>
+                <a:spcPct val="110000"/>
+              </a:lnSpc>
+              <a:spcBef>
+                <a:spcPts val="400"/>
+              </a:spcBef>
+              <a:spcAft>
+                <a:spcPts val="0"/>
+              </a:spcAft>
+              <a:buSzPts val="1840"/>
+              <a:buFont typeface="Arial" panose="020B0604020202020204" pitchFamily="34" charset="0"/>
+              <a:buChar char="•"/>
+            </a:pPr>
+            <a:r>
+              <a:rPr lang="en-US" b="1" i="0" u="none" strike="noStrike" cap="none" dirty="0">
+                <a:solidFill>
+                  <a:srgbClr val="0C0C0C"/>
+                </a:solidFill>
+              </a:rPr>
+              <a:t>Pandas</a:t>
+            </a:r>
+            <a:r>
+              <a:rPr lang="en-US" sz="1400" b="0" i="0" dirty="0">
+                <a:solidFill>
+                  <a:srgbClr val="000000"/>
+                </a:solidFill>
+              </a:rPr>
+              <a:t> </a:t>
+            </a:r>
+            <a:r>
+              <a:rPr lang="en-US" sz="1600" b="0" i="0" dirty="0">
+                <a:solidFill>
+                  <a:srgbClr val="000000"/>
+                </a:solidFill>
+              </a:rPr>
+              <a:t>has functions for analyzing, cleaning, exploring, and manipulating data. The name "Pandas" has a reference to both "Panel Data", and "Python Data Analysis" and was created by Wes McKinney in 2008.</a:t>
+            </a:r>
+            <a:endParaRPr lang="en-US" sz="1600" b="1" i="0" u="none" strike="noStrike" cap="none" dirty="0">
+              <a:solidFill>
+                <a:srgbClr val="0C0C0C"/>
+              </a:solidFill>
+            </a:endParaRPr>
+          </a:p>
+          <a:p>
+            <a:pPr marL="306000" lvl="0" indent="-306000" algn="l" rtl="0">
+              <a:lnSpc>
+                <a:spcPct val="100000"/>
+              </a:lnSpc>
+              <a:spcBef>
+                <a:spcPts val="600"/>
+              </a:spcBef>
+              <a:spcAft>
+                <a:spcPts val="0"/>
+              </a:spcAft>
+              <a:buSzPts val="1840"/>
+              <a:buFont typeface="Arial" panose="020B0604020202020204" pitchFamily="34" charset="0"/>
+              <a:buChar char="•"/>
+            </a:pPr>
+            <a:r>
+              <a:rPr lang="en-US" b="1" dirty="0">
+                <a:solidFill>
+                  <a:srgbClr val="0C0C0C"/>
+                </a:solidFill>
+              </a:rPr>
+              <a:t>Matplotlib</a:t>
+            </a:r>
+            <a:r>
+              <a:rPr lang="en-US" sz="1400" b="1" dirty="0">
+                <a:solidFill>
+                  <a:srgbClr val="0C0C0C"/>
+                </a:solidFill>
+              </a:rPr>
+              <a:t> </a:t>
+            </a:r>
+            <a:r>
+              <a:rPr lang="en-US" sz="1400" b="0" i="0" dirty="0">
+                <a:solidFill>
+                  <a:srgbClr val="0C0C0C"/>
+                </a:solidFill>
+              </a:rPr>
+              <a:t> </a:t>
+            </a:r>
+            <a:r>
+              <a:rPr lang="en-US" sz="1600" b="0" i="0" dirty="0">
+                <a:solidFill>
+                  <a:srgbClr val="0C0C0C"/>
+                </a:solidFill>
+              </a:rPr>
+              <a:t>is an amazing visualization library in </a:t>
+            </a:r>
+            <a:r>
+              <a:rPr lang="en-US" sz="1600" b="1" i="0" dirty="0">
+                <a:solidFill>
+                  <a:srgbClr val="0C0C0C"/>
+                </a:solidFill>
+              </a:rPr>
+              <a:t>Python </a:t>
+            </a:r>
+            <a:r>
+              <a:rPr lang="en-US" sz="1600" b="0" i="0" dirty="0">
+                <a:solidFill>
+                  <a:srgbClr val="0C0C0C"/>
+                </a:solidFill>
+              </a:rPr>
+              <a:t>for 2D plots of arrays. Matplotlib is a multi-platform data visualization library built on NumPy arrays and designed to work with the broader SciPy stack.</a:t>
+            </a:r>
+            <a:endParaRPr lang="en-US" sz="1600" b="1" dirty="0">
+              <a:solidFill>
+                <a:srgbClr val="0C0C0C"/>
+              </a:solidFill>
+            </a:endParaRPr>
+          </a:p>
+          <a:p>
+            <a:pPr marL="306000" lvl="0" indent="-306000" algn="l" rtl="0">
+              <a:lnSpc>
+                <a:spcPct val="100000"/>
+              </a:lnSpc>
+              <a:spcBef>
+                <a:spcPts val="0"/>
+              </a:spcBef>
+              <a:spcAft>
+                <a:spcPts val="0"/>
+              </a:spcAft>
+              <a:buSzPts val="1840"/>
+              <a:buFont typeface="Arial" panose="020B0604020202020204" pitchFamily="34" charset="0"/>
+              <a:buChar char="•"/>
+            </a:pPr>
+            <a:r>
+              <a:rPr lang="en-US" b="1" i="0" u="none" strike="noStrike" cap="none" dirty="0" err="1">
+                <a:solidFill>
+                  <a:srgbClr val="0C0C0C"/>
+                </a:solidFill>
+              </a:rPr>
+              <a:t>Keras</a:t>
+            </a:r>
+            <a:r>
+              <a:rPr lang="en-US" sz="1400" b="1" i="0" u="none" strike="noStrike" cap="none" dirty="0">
+                <a:solidFill>
+                  <a:srgbClr val="0C0C0C"/>
+                </a:solidFill>
+              </a:rPr>
+              <a:t> </a:t>
+            </a:r>
+            <a:r>
+              <a:rPr lang="en-US" sz="1600" b="0" i="0" dirty="0">
+                <a:solidFill>
+                  <a:srgbClr val="4D5156"/>
+                </a:solidFill>
+              </a:rPr>
+              <a:t>is a high-level, user-friendly API used for building and training neural networks.</a:t>
+            </a:r>
+            <a:endParaRPr lang="en-US" sz="1600" b="0" i="0" u="none" strike="noStrike" cap="none" dirty="0">
+              <a:solidFill>
+                <a:srgbClr val="0C0C0C"/>
+              </a:solidFill>
             </a:endParaRPr>
           </a:p>
           <a:p>
@@ -6129,7 +6962,7 @@
           <p:cNvPr id="4" name="object 3">
             <a:extLst>
               <a:ext uri="{FF2B5EF4-FFF2-40B4-BE49-F238E27FC236}">
-                <a16:creationId xmlns:a16="http://schemas.microsoft.com/office/drawing/2014/main" id="{582E1E01-3C7A-61D3-20C3-7999893ACFED}"/>
+                <a16:creationId xmlns:a16="http://schemas.microsoft.com/office/drawing/2014/main" id="{44C4BC02-24B6-3923-2BFF-13F9C0A2CC07}"/>
               </a:ext>
             </a:extLst>
           </p:cNvPr>
@@ -6186,12 +7019,79 @@
           </a:p>
         </p:txBody>
       </p:sp>
+      <p:sp>
+        <p:nvSpPr>
+          <p:cNvPr id="7" name="object 8">
+            <a:extLst>
+              <a:ext uri="{FF2B5EF4-FFF2-40B4-BE49-F238E27FC236}">
+                <a16:creationId xmlns:a16="http://schemas.microsoft.com/office/drawing/2014/main" id="{A60AB6B2-7891-FB3A-159D-3B37886BCE1C}"/>
+              </a:ext>
+            </a:extLst>
+          </p:cNvPr>
+          <p:cNvSpPr txBox="1"/>
+          <p:nvPr/>
+        </p:nvSpPr>
+        <p:spPr>
+          <a:xfrm>
+            <a:off x="78739" y="4895799"/>
+            <a:ext cx="683261" cy="197490"/>
+          </a:xfrm>
+          <a:prstGeom prst="rect">
+            <a:avLst/>
+          </a:prstGeom>
+        </p:spPr>
+        <p:txBody>
+          <a:bodyPr vert="horz" wrap="square" lIns="0" tIns="12700" rIns="0" bIns="0" rtlCol="0">
+            <a:spAutoFit/>
+          </a:bodyPr>
+          <a:lstStyle/>
+          <a:p>
+            <a:pPr marL="12700">
+              <a:lnSpc>
+                <a:spcPct val="100000"/>
+              </a:lnSpc>
+              <a:spcBef>
+                <a:spcPts val="100"/>
+              </a:spcBef>
+            </a:pPr>
+            <a:r>
+              <a:rPr lang="en-US" sz="1200" spc="-10" dirty="0">
+                <a:solidFill>
+                  <a:srgbClr val="888888"/>
+                </a:solidFill>
+                <a:latin typeface="Calibri"/>
+                <a:cs typeface="Calibri"/>
+              </a:rPr>
+              <a:t>15</a:t>
+            </a:r>
+            <a:r>
+              <a:rPr sz="1200" spc="-10" dirty="0">
+                <a:solidFill>
+                  <a:srgbClr val="888888"/>
+                </a:solidFill>
+                <a:latin typeface="Calibri"/>
+                <a:cs typeface="Calibri"/>
+              </a:rPr>
+              <a:t>/7/202</a:t>
+            </a:r>
+            <a:r>
+              <a:rPr sz="1200" dirty="0">
+                <a:solidFill>
+                  <a:srgbClr val="888888"/>
+                </a:solidFill>
+                <a:latin typeface="Calibri"/>
+                <a:cs typeface="Calibri"/>
+              </a:rPr>
+              <a:t>4</a:t>
+            </a:r>
+            <a:endParaRPr sz="1200" dirty="0">
+              <a:latin typeface="Calibri"/>
+              <a:cs typeface="Calibri"/>
+            </a:endParaRPr>
+          </a:p>
+        </p:txBody>
+      </p:sp>
     </p:spTree>
-    <p:extLst>
-      <p:ext uri="{BB962C8B-B14F-4D97-AF65-F5344CB8AC3E}">
-        <p14:creationId xmlns:p14="http://schemas.microsoft.com/office/powerpoint/2010/main" val="3493933342"/>
-      </p:ext>
-    </p:extLst>
   </p:cSld>
   <p:clrMapOvr>
     <a:masterClrMapping/>
@@ -6359,47 +7259,10 @@
               </a:rPr>
               <a:t>used</a:t>
             </a:r>
-            <a:endParaRPr sz="3200">
+            <a:endParaRPr sz="3200" dirty="0">
               <a:latin typeface="Cambria"/>
               <a:cs typeface="Cambria"/>
             </a:endParaRPr>
-          </a:p>
-        </p:txBody>
-      </p:sp>
-      <p:sp>
-        <p:nvSpPr>
-          <p:cNvPr id="5" name="object 5"/>
-          <p:cNvSpPr txBox="1">
-            <a:spLocks noGrp="1"/>
-          </p:cNvSpPr>
-          <p:nvPr>
-            <p:ph type="dt" sz="half" idx="6"/>
-          </p:nvPr>
-        </p:nvSpPr>
-        <p:spPr>
-          <a:prstGeom prst="rect">
-            <a:avLst/>
-          </a:prstGeom>
-        </p:spPr>
-        <p:txBody>
-          <a:bodyPr vert="horz" wrap="square" lIns="0" tIns="0" rIns="0" bIns="0" rtlCol="0">
-            <a:spAutoFit/>
-          </a:bodyPr>
-          <a:lstStyle/>
-          <a:p>
-            <a:pPr marL="12700">
-              <a:lnSpc>
-                <a:spcPts val="1240"/>
-              </a:lnSpc>
-            </a:pPr>
-            <a:r>
-              <a:rPr spc="-10" dirty="0"/>
-              <a:t>6/7/202</a:t>
-            </a:r>
-            <a:r>
-              <a:rPr dirty="0"/>
-              <a:t>4</a:t>
-            </a:r>
           </a:p>
         </p:txBody>
       </p:sp>
@@ -6445,8 +7308,8 @@
         </p:nvSpPr>
         <p:spPr>
           <a:xfrm>
-            <a:off x="258267" y="789508"/>
-            <a:ext cx="7910830" cy="3888244"/>
+            <a:off x="258266" y="789508"/>
+            <a:ext cx="8123733" cy="3967753"/>
           </a:xfrm>
           <a:prstGeom prst="rect">
             <a:avLst/>
@@ -6464,6 +7327,70 @@
             </a:r>
           </a:p>
           <a:p>
+            <a:endParaRPr lang="en-US" b="1" dirty="0"/>
+          </a:p>
+          <a:p>
+            <a:pPr marL="298450" indent="-285750">
+              <a:lnSpc>
+                <a:spcPct val="100000"/>
+              </a:lnSpc>
+              <a:spcBef>
+                <a:spcPts val="100"/>
+              </a:spcBef>
+              <a:buFont typeface="Arial" panose="020B0604020202020204" pitchFamily="34" charset="0"/>
+              <a:buChar char="•"/>
+            </a:pPr>
+            <a:r>
+              <a:rPr lang="en-US" sz="1800" b="1" dirty="0">
+                <a:latin typeface="Calibri"/>
+                <a:cs typeface="Calibri"/>
+              </a:rPr>
+              <a:t>Model Building: </a:t>
+            </a:r>
+            <a:r>
+              <a:rPr lang="en-US" sz="1600" b="1" dirty="0">
+                <a:latin typeface="Calibri"/>
+                <a:cs typeface="Calibri"/>
+              </a:rPr>
+              <a:t>Choosing the Model - </a:t>
+            </a:r>
+            <a:r>
+              <a:rPr lang="en-US" sz="1600" dirty="0">
+                <a:latin typeface="Calibri"/>
+                <a:cs typeface="Calibri"/>
+              </a:rPr>
+              <a:t>I experimented with different machine learning algorithms, including linear regression and neural networks. </a:t>
+            </a:r>
+            <a:r>
+              <a:rPr lang="en-US" sz="1600" b="1" dirty="0">
+                <a:latin typeface="Calibri"/>
+                <a:cs typeface="Calibri"/>
+              </a:rPr>
+              <a:t>Implementing Models </a:t>
+            </a:r>
+            <a:r>
+              <a:rPr lang="en-US" sz="1600" dirty="0">
+                <a:latin typeface="Calibri"/>
+                <a:cs typeface="Calibri"/>
+              </a:rPr>
+              <a:t>- Using </a:t>
+            </a:r>
+            <a:r>
+              <a:rPr lang="en-US" sz="1600" dirty="0" err="1">
+                <a:latin typeface="Calibri"/>
+                <a:cs typeface="Calibri"/>
+              </a:rPr>
+              <a:t>Keras</a:t>
+            </a:r>
+            <a:r>
+              <a:rPr lang="en-US" sz="1600" dirty="0">
+                <a:latin typeface="Calibri"/>
+                <a:cs typeface="Calibri"/>
+              </a:rPr>
+              <a:t>, I built neural network models. I defined the model architecture, compiled the model with appropriate loss functions and optimizers, and trained it on the preprocessed data.</a:t>
+            </a:r>
+          </a:p>
+          <a:p>
             <a:pPr marL="12700">
               <a:lnSpc>
                 <a:spcPct val="100000"/>
@@ -6472,178 +7399,82 @@
                 <a:spcPts val="100"/>
               </a:spcBef>
             </a:pPr>
-            <a:r>
-              <a:rPr lang="en-US" b="1" dirty="0">
-                <a:latin typeface="Calibri"/>
-                <a:cs typeface="Calibri"/>
-              </a:rPr>
-              <a:t>4. </a:t>
-            </a:r>
+            <a:endParaRPr lang="en-US" sz="1400" dirty="0">
+              <a:latin typeface="Calibri"/>
+              <a:cs typeface="Calibri"/>
+            </a:endParaRPr>
+          </a:p>
+          <a:p>
+            <a:pPr marL="298450" indent="-285750">
+              <a:lnSpc>
+                <a:spcPct val="100000"/>
+              </a:lnSpc>
+              <a:spcBef>
+                <a:spcPts val="100"/>
+              </a:spcBef>
+              <a:buFont typeface="Arial" panose="020B0604020202020204" pitchFamily="34" charset="0"/>
+              <a:buChar char="•"/>
+            </a:pPr>
             <a:r>
               <a:rPr lang="en-US" sz="1800" b="1" dirty="0">
                 <a:latin typeface="Calibri"/>
                 <a:cs typeface="Calibri"/>
               </a:rPr>
-              <a:t>Model Building</a:t>
-            </a:r>
-          </a:p>
-          <a:p>
-            <a:pPr marL="12700">
+              <a:t>Evaluation: </a:t>
+            </a:r>
+            <a:r>
+              <a:rPr lang="en-US" sz="1600" dirty="0">
+                <a:latin typeface="Calibri"/>
+                <a:cs typeface="Calibri"/>
+              </a:rPr>
+              <a:t>I evaluated model performance using metrics such as Mean Absolute Error (MAE) for regression tasks. I also visualized the model’s predictions versus actual values to assess accuracy.</a:t>
+            </a:r>
+          </a:p>
+          <a:p>
+            <a:pPr marL="298450" indent="-285750">
               <a:lnSpc>
                 <a:spcPct val="100000"/>
               </a:lnSpc>
               <a:spcBef>
                 <a:spcPts val="100"/>
               </a:spcBef>
-            </a:pPr>
-            <a:r>
-              <a:rPr lang="en-US" sz="1400" b="1" dirty="0">
-                <a:latin typeface="Calibri"/>
-                <a:cs typeface="Calibri"/>
-              </a:rPr>
-              <a:t>	Choosing the Model: </a:t>
-            </a:r>
-            <a:r>
-              <a:rPr lang="en-US" sz="1400" dirty="0">
-                <a:latin typeface="Calibri"/>
-                <a:cs typeface="Calibri"/>
-              </a:rPr>
-              <a:t>I experimented with different machine learning algorithms, including linear 	regression and neural networks.</a:t>
-            </a:r>
-          </a:p>
-          <a:p>
-            <a:pPr marL="12700">
+              <a:buFont typeface="Arial" panose="020B0604020202020204" pitchFamily="34" charset="0"/>
+              <a:buChar char="•"/>
+            </a:pPr>
+            <a:endParaRPr lang="en-US" sz="1800" b="1" dirty="0">
+              <a:latin typeface="Calibri"/>
+              <a:cs typeface="Calibri"/>
+            </a:endParaRPr>
+          </a:p>
+          <a:p>
+            <a:pPr marL="298450" indent="-285750">
               <a:lnSpc>
                 <a:spcPct val="100000"/>
               </a:lnSpc>
               <a:spcBef>
                 <a:spcPts val="100"/>
               </a:spcBef>
-            </a:pPr>
-            <a:r>
-              <a:rPr lang="en-US" sz="1400" dirty="0">
-                <a:latin typeface="Calibri"/>
-                <a:cs typeface="Calibri"/>
-              </a:rPr>
-              <a:t>	</a:t>
-            </a:r>
-            <a:r>
-              <a:rPr lang="en-US" sz="1400" b="1" dirty="0">
-                <a:latin typeface="Calibri"/>
-                <a:cs typeface="Calibri"/>
-              </a:rPr>
-              <a:t>Implementing Models: </a:t>
-            </a:r>
-            <a:r>
-              <a:rPr lang="en-US" sz="1400" dirty="0">
-                <a:latin typeface="Calibri"/>
-                <a:cs typeface="Calibri"/>
-              </a:rPr>
-              <a:t>Using </a:t>
-            </a:r>
-            <a:r>
-              <a:rPr lang="en-US" sz="1400" dirty="0" err="1">
-                <a:latin typeface="Calibri"/>
-                <a:cs typeface="Calibri"/>
-              </a:rPr>
-              <a:t>Keras</a:t>
-            </a:r>
-            <a:r>
-              <a:rPr lang="en-US" sz="1400" dirty="0">
-                <a:latin typeface="Calibri"/>
-                <a:cs typeface="Calibri"/>
-              </a:rPr>
-              <a:t>, I built neural network models. I defined the model 	architecture, compiled the model with appropriate loss functions and optimizers, and trained it 	on the preprocessed data.</a:t>
-            </a:r>
-          </a:p>
-          <a:p>
-            <a:pPr marL="12700">
-              <a:lnSpc>
-                <a:spcPct val="100000"/>
-              </a:lnSpc>
-              <a:spcBef>
-                <a:spcPts val="100"/>
-              </a:spcBef>
+              <a:buFont typeface="Arial" panose="020B0604020202020204" pitchFamily="34" charset="0"/>
+              <a:buChar char="•"/>
             </a:pPr>
             <a:r>
               <a:rPr lang="en-US" sz="1800" b="1" dirty="0">
                 <a:latin typeface="Calibri"/>
                 <a:cs typeface="Calibri"/>
               </a:rPr>
-              <a:t>5. Evaluation: </a:t>
-            </a:r>
-          </a:p>
-          <a:p>
-            <a:pPr marL="12700">
-              <a:lnSpc>
-                <a:spcPct val="100000"/>
-              </a:lnSpc>
-              <a:spcBef>
-                <a:spcPts val="100"/>
-              </a:spcBef>
-            </a:pPr>
-            <a:r>
-              <a:rPr lang="en-US" b="1" dirty="0">
-                <a:latin typeface="Calibri"/>
-                <a:cs typeface="Calibri"/>
-              </a:rPr>
-              <a:t>	</a:t>
-            </a:r>
-            <a:r>
-              <a:rPr lang="en-US" sz="1400" dirty="0">
-                <a:latin typeface="Calibri"/>
-                <a:cs typeface="Calibri"/>
-              </a:rPr>
-              <a:t>I evaluated model performance using metrics such as Mean Absolute Error (MAE) for regression 	tasks. I also visualized the model’s predictions versus actual values to assess accuracy.</a:t>
-            </a:r>
-          </a:p>
-          <a:p>
-            <a:pPr marL="12700">
-              <a:lnSpc>
-                <a:spcPct val="100000"/>
-              </a:lnSpc>
-              <a:spcBef>
-                <a:spcPts val="100"/>
-              </a:spcBef>
-            </a:pPr>
-            <a:r>
-              <a:rPr lang="en-US" sz="1800" dirty="0">
-                <a:latin typeface="Calibri"/>
-                <a:cs typeface="Calibri"/>
-              </a:rPr>
-              <a:t>6. </a:t>
-            </a:r>
-            <a:r>
-              <a:rPr lang="en-US" sz="1800" b="1" dirty="0">
-                <a:latin typeface="Calibri"/>
-                <a:cs typeface="Calibri"/>
-              </a:rPr>
-              <a:t>Documentation and Presentation </a:t>
-            </a:r>
-          </a:p>
-          <a:p>
-            <a:pPr marL="12700">
-              <a:lnSpc>
-                <a:spcPct val="100000"/>
-              </a:lnSpc>
-              <a:spcBef>
-                <a:spcPts val="100"/>
-              </a:spcBef>
-            </a:pPr>
-            <a:r>
-              <a:rPr lang="en-US" dirty="0">
-                <a:latin typeface="Calibri"/>
-                <a:cs typeface="Calibri"/>
-              </a:rPr>
-              <a:t>	</a:t>
-            </a:r>
-            <a:r>
-              <a:rPr lang="en-US" sz="1400" dirty="0">
-                <a:latin typeface="Calibri"/>
-                <a:cs typeface="Calibri"/>
-              </a:rPr>
-              <a:t>I documented the entire process, including data collection, preprocessing 	steps, model 	selection, and results. I also created visualizations to present 	my findings and the performance 	of the prediction models to the team.</a:t>
-            </a:r>
+              <a:t>Documentation and Presentation: </a:t>
+            </a:r>
+            <a:r>
+              <a:rPr lang="en-US" sz="1600" dirty="0">
+                <a:latin typeface="Calibri"/>
+                <a:cs typeface="Calibri"/>
+              </a:rPr>
+              <a:t>I documented the entire process, including data collection, preprocessing steps, model selection, and results. I also created visualizations to present my findings and the performance of the prediction models to the team.</a:t>
+            </a:r>
+            <a:endParaRPr lang="en-US" sz="2000" dirty="0">
+              <a:latin typeface="Calibri"/>
+              <a:cs typeface="Calibri"/>
+            </a:endParaRPr>
           </a:p>
           <a:p>
             <a:pPr marL="298450" indent="-285750">
@@ -6668,7 +7499,7 @@
           <p:cNvPr id="4" name="object 3">
             <a:extLst>
               <a:ext uri="{FF2B5EF4-FFF2-40B4-BE49-F238E27FC236}">
-                <a16:creationId xmlns:a16="http://schemas.microsoft.com/office/drawing/2014/main" id="{F70F4229-916F-7234-5C32-740420FAFF07}"/>
+                <a16:creationId xmlns:a16="http://schemas.microsoft.com/office/drawing/2014/main" id="{582E1E01-3C7A-61D3-20C3-7999893ACFED}"/>
               </a:ext>
             </a:extLst>
           </p:cNvPr>
@@ -6725,10 +7556,82 @@
           </a:p>
         </p:txBody>
       </p:sp>
+      <p:sp>
+        <p:nvSpPr>
+          <p:cNvPr id="7" name="object 8">
+            <a:extLst>
+              <a:ext uri="{FF2B5EF4-FFF2-40B4-BE49-F238E27FC236}">
+                <a16:creationId xmlns:a16="http://schemas.microsoft.com/office/drawing/2014/main" id="{22624439-848A-7B86-6B81-EAF8D4CBD2C0}"/>
+              </a:ext>
+            </a:extLst>
+          </p:cNvPr>
+          <p:cNvSpPr txBox="1"/>
+          <p:nvPr/>
+        </p:nvSpPr>
+        <p:spPr>
+          <a:xfrm>
+            <a:off x="78739" y="4895799"/>
+            <a:ext cx="683261" cy="197490"/>
+          </a:xfrm>
+          <a:prstGeom prst="rect">
+            <a:avLst/>
+          </a:prstGeom>
+        </p:spPr>
+        <p:txBody>
+          <a:bodyPr vert="horz" wrap="square" lIns="0" tIns="12700" rIns="0" bIns="0" rtlCol="0">
+            <a:spAutoFit/>
+          </a:bodyPr>
+          <a:lstStyle/>
+          <a:p>
+            <a:pPr marL="12700">
+              <a:lnSpc>
+                <a:spcPct val="100000"/>
+              </a:lnSpc>
+              <a:spcBef>
+                <a:spcPts val="100"/>
+              </a:spcBef>
+            </a:pPr>
+            <a:r>
+              <a:rPr lang="en-US" sz="1200" spc="-10" dirty="0">
+                <a:solidFill>
+                  <a:srgbClr val="888888"/>
+                </a:solidFill>
+                <a:latin typeface="Calibri"/>
+                <a:cs typeface="Calibri"/>
+              </a:rPr>
+              <a:t>15</a:t>
+            </a:r>
+            <a:r>
+              <a:rPr sz="1200" spc="-10" dirty="0">
+                <a:solidFill>
+                  <a:srgbClr val="888888"/>
+                </a:solidFill>
+                <a:latin typeface="Calibri"/>
+                <a:cs typeface="Calibri"/>
+              </a:rPr>
+              <a:t>/7/202</a:t>
+            </a:r>
+            <a:r>
+              <a:rPr sz="1200" dirty="0">
+                <a:solidFill>
+                  <a:srgbClr val="888888"/>
+                </a:solidFill>
+                <a:latin typeface="Calibri"/>
+                <a:cs typeface="Calibri"/>
+              </a:rPr>
+              <a:t>4</a:t>
+            </a:r>
+            <a:endParaRPr sz="1200" dirty="0">
+              <a:latin typeface="Calibri"/>
+              <a:cs typeface="Calibri"/>
+            </a:endParaRPr>
+          </a:p>
+        </p:txBody>
+      </p:sp>
     </p:spTree>
     <p:extLst>
       <p:ext uri="{BB962C8B-B14F-4D97-AF65-F5344CB8AC3E}">
-        <p14:creationId xmlns:p14="http://schemas.microsoft.com/office/powerpoint/2010/main" val="2212068589"/>
+        <p14:creationId xmlns:p14="http://schemas.microsoft.com/office/powerpoint/2010/main" val="3493933342"/>
       </p:ext>
     </p:extLst>
   </p:cSld>
@@ -6870,43 +7773,6 @@
       </p:sp>
       <p:sp>
         <p:nvSpPr>
-          <p:cNvPr id="5" name="object 5"/>
-          <p:cNvSpPr txBox="1">
-            <a:spLocks noGrp="1"/>
-          </p:cNvSpPr>
-          <p:nvPr>
-            <p:ph type="dt" sz="half" idx="6"/>
-          </p:nvPr>
-        </p:nvSpPr>
-        <p:spPr>
-          <a:prstGeom prst="rect">
-            <a:avLst/>
-          </a:prstGeom>
-        </p:spPr>
-        <p:txBody>
-          <a:bodyPr vert="horz" wrap="square" lIns="0" tIns="0" rIns="0" bIns="0" rtlCol="0">
-            <a:spAutoFit/>
-          </a:bodyPr>
-          <a:lstStyle/>
-          <a:p>
-            <a:pPr marL="12700">
-              <a:lnSpc>
-                <a:spcPts val="1240"/>
-              </a:lnSpc>
-            </a:pPr>
-            <a:r>
-              <a:rPr spc="-10" dirty="0"/>
-              <a:t>6/7/202</a:t>
-            </a:r>
-            <a:r>
-              <a:rPr dirty="0"/>
-              <a:t>4</a:t>
-            </a:r>
-          </a:p>
-        </p:txBody>
-      </p:sp>
-      <p:sp>
-        <p:nvSpPr>
           <p:cNvPr id="6" name="object 6"/>
           <p:cNvSpPr txBox="1">
             <a:spLocks noGrp="1"/>
@@ -6948,7 +7814,7 @@
         <p:spPr>
           <a:xfrm>
             <a:off x="258267" y="789508"/>
-            <a:ext cx="8693074" cy="5055679"/>
+            <a:ext cx="8693074" cy="2707344"/>
           </a:xfrm>
           <a:prstGeom prst="rect">
             <a:avLst/>
@@ -6975,15 +7841,15 @@
               <a:buChar char="•"/>
             </a:pPr>
             <a:r>
-              <a:rPr lang="en-US" sz="1400" dirty="0"/>
+              <a:rPr lang="en-US" sz="1600" dirty="0"/>
               <a:t>We have successfully developed a weather prediction model for Los Angeles using Python, leveraging powerful libraries like NumPy, pandas, Matplotlib, and </a:t>
             </a:r>
             <a:r>
-              <a:rPr lang="en-US" sz="1400" dirty="0" err="1"/>
+              <a:rPr lang="en-US" sz="1600" dirty="0" err="1"/>
               <a:t>Keras</a:t>
             </a:r>
             <a:r>
-              <a:rPr lang="en-US" sz="1400" dirty="0"/>
+              <a:rPr lang="en-US" sz="1600" dirty="0"/>
               <a:t>. </a:t>
             </a:r>
           </a:p>
@@ -7003,7 +7869,7 @@
               <a:buChar char="•"/>
             </a:pPr>
             <a:r>
-              <a:rPr lang="en-US" sz="1400" dirty="0"/>
+              <a:rPr lang="en-US" sz="1600" dirty="0"/>
               <a:t>This script entails a comprehensive approach to a simple regression task, incorporating data visualization, preprocessing, and the implementation of a neural network. </a:t>
             </a:r>
           </a:p>
@@ -7023,68 +7889,8 @@
               <a:buChar char="•"/>
             </a:pPr>
             <a:r>
-              <a:rPr lang="en-US" sz="1400" dirty="0"/>
+              <a:rPr lang="en-US" sz="1600" dirty="0"/>
               <a:t>This data can be used to Predict the future weather of Los Angeles</a:t>
-            </a:r>
-          </a:p>
-          <a:p>
-            <a:pPr marL="306000" lvl="0" indent="-306000" algn="l" rtl="0">
-              <a:lnSpc>
-                <a:spcPct val="110000"/>
-              </a:lnSpc>
-              <a:spcBef>
-                <a:spcPts val="1040"/>
-              </a:spcBef>
-              <a:spcAft>
-                <a:spcPts val="0"/>
-              </a:spcAft>
-              <a:buSzPts val="2024"/>
-              <a:buFont typeface="Arial" panose="020B0604020202020204" pitchFamily="34" charset="0"/>
-              <a:buChar char="•"/>
-            </a:pPr>
-            <a:r>
-              <a:rPr lang="en-US" sz="1400" dirty="0"/>
-              <a:t>The future scope of the weather prediction model in machine learning holds exciting potential. Integration of more sophisticated algorithms and extensive datasets can enhance the model's accuracy, allowing for precise forecasting even in dynamic climate scenarios. Incorporating real-time data streams and satellite imagery promises to further refine predictions. </a:t>
-            </a:r>
-          </a:p>
-          <a:p>
-            <a:pPr marL="306000" lvl="0" indent="-306000" algn="l" rtl="0">
-              <a:lnSpc>
-                <a:spcPct val="110000"/>
-              </a:lnSpc>
-              <a:spcBef>
-                <a:spcPts val="1040"/>
-              </a:spcBef>
-              <a:spcAft>
-                <a:spcPts val="0"/>
-              </a:spcAft>
-              <a:buSzPts val="2024"/>
-              <a:buFont typeface="Arial" panose="020B0604020202020204" pitchFamily="34" charset="0"/>
-              <a:buChar char="•"/>
-            </a:pPr>
-            <a:r>
-              <a:rPr lang="en-US" sz="1400" dirty="0"/>
-              <a:t>Additionally, advancements in deep learning and neural network architectures may lead to more efficient models capable of capturing intricate atmospheric patterns. </a:t>
-            </a:r>
-          </a:p>
-          <a:p>
-            <a:pPr marL="306000" lvl="0" indent="-306000" algn="l" rtl="0">
-              <a:lnSpc>
-                <a:spcPct val="110000"/>
-              </a:lnSpc>
-              <a:spcBef>
-                <a:spcPts val="1040"/>
-              </a:spcBef>
-              <a:spcAft>
-                <a:spcPts val="0"/>
-              </a:spcAft>
-              <a:buSzPts val="2024"/>
-              <a:buFont typeface="Arial" panose="020B0604020202020204" pitchFamily="34" charset="0"/>
-              <a:buChar char="•"/>
-            </a:pPr>
-            <a:r>
-              <a:rPr lang="en-US" sz="1400" dirty="0"/>
-              <a:t>Collaborations with meteorological agencies and the integration of emerging technologies like quantum computing could pave the way for unprecedented advancements in weather prediction, offering a more reliable and timely tool for addressing the challenges posed by climate variability.</a:t>
             </a:r>
           </a:p>
           <a:p>
@@ -7195,6 +8001,78 @@
                 <a:spcPts val="100"/>
               </a:spcBef>
             </a:pPr>
+            <a:endParaRPr sz="1200" dirty="0">
+              <a:latin typeface="Calibri"/>
+              <a:cs typeface="Calibri"/>
+            </a:endParaRPr>
+          </a:p>
+        </p:txBody>
+      </p:sp>
+      <p:sp>
+        <p:nvSpPr>
+          <p:cNvPr id="7" name="object 8">
+            <a:extLst>
+              <a:ext uri="{FF2B5EF4-FFF2-40B4-BE49-F238E27FC236}">
+                <a16:creationId xmlns:a16="http://schemas.microsoft.com/office/drawing/2014/main" id="{6A47DFE2-470C-524C-754D-D97552D02E6B}"/>
+              </a:ext>
+            </a:extLst>
+          </p:cNvPr>
+          <p:cNvSpPr txBox="1"/>
+          <p:nvPr/>
+        </p:nvSpPr>
+        <p:spPr>
+          <a:xfrm>
+            <a:off x="78739" y="4895799"/>
+            <a:ext cx="683261" cy="197490"/>
+          </a:xfrm>
+          <a:prstGeom prst="rect">
+            <a:avLst/>
+          </a:prstGeom>
+        </p:spPr>
+        <p:txBody>
+          <a:bodyPr vert="horz" wrap="square" lIns="0" tIns="12700" rIns="0" bIns="0" rtlCol="0">
+            <a:spAutoFit/>
+          </a:bodyPr>
+          <a:lstStyle/>
+          <a:p>
+            <a:pPr marL="12700">
+              <a:lnSpc>
+                <a:spcPct val="100000"/>
+              </a:lnSpc>
+              <a:spcBef>
+                <a:spcPts val="100"/>
+              </a:spcBef>
+            </a:pPr>
+            <a:r>
+              <a:rPr lang="en-US" sz="1200" spc="-10" dirty="0">
+                <a:solidFill>
+                  <a:srgbClr val="888888"/>
+                </a:solidFill>
+                <a:latin typeface="Calibri"/>
+                <a:cs typeface="Calibri"/>
+              </a:rPr>
+              <a:t>15</a:t>
+            </a:r>
+            <a:r>
+              <a:rPr sz="1200" spc="-10" dirty="0">
+                <a:solidFill>
+                  <a:srgbClr val="888888"/>
+                </a:solidFill>
+                <a:latin typeface="Calibri"/>
+                <a:cs typeface="Calibri"/>
+              </a:rPr>
+              <a:t>/7/202</a:t>
+            </a:r>
+            <a:r>
+              <a:rPr sz="1200" dirty="0">
+                <a:solidFill>
+                  <a:srgbClr val="888888"/>
+                </a:solidFill>
+                <a:latin typeface="Calibri"/>
+                <a:cs typeface="Calibri"/>
+              </a:rPr>
+              <a:t>4</a:t>
+            </a:r>
             <a:endParaRPr sz="1200" dirty="0">
               <a:latin typeface="Calibri"/>
               <a:cs typeface="Calibri"/>
@@ -7491,4 +8369,299 @@
   <a:objectDefaults/>
   <a:extraClrSchemeLst/>
 </a:theme>
+</file>
+
+<file path=ppt/theme/theme2.xml><?xml version="1.0" encoding="utf-8"?>
+<a:theme xmlns:a="http://schemas.openxmlformats.org/drawingml/2006/main" name="Office Theme">
+  <a:themeElements>
+    <a:clrScheme name="Office">
+      <a:dk1>
+        <a:sysClr val="windowText" lastClr="000000"/>
+      </a:dk1>
+      <a:lt1>
+        <a:sysClr val="window" lastClr="FFFFFF"/>
+      </a:lt1>
+      <a:dk2>
+        <a:srgbClr val="44546A"/>
+      </a:dk2>
+      <a:lt2>
+        <a:srgbClr val="E7E6E6"/>
+      </a:lt2>
+      <a:accent1>
+        <a:srgbClr val="4472C4"/>
+      </a:accent1>
+      <a:accent2>
+        <a:srgbClr val="ED7D31"/>
+      </a:accent2>
+      <a:accent3>
+        <a:srgbClr val="A5A5A5"/>
+      </a:accent3>
+      <a:accent4>
+        <a:srgbClr val="FFC000"/>
+      </a:accent4>
+      <a:accent5>
+        <a:srgbClr val="5B9BD5"/>
+      </a:accent5>
+      <a:accent6>
+        <a:srgbClr val="70AD47"/>
+      </a:accent6>
+      <a:hlink>
+        <a:srgbClr val="0563C1"/>
+      </a:hlink>
+      <a:folHlink>
+        <a:srgbClr val="954F72"/>
+      </a:folHlink>
+    </a:clrScheme>
+    <a:fontScheme name="Office">
+      <a:majorFont>
+        <a:latin typeface="Calibri Light" panose="020F0302020204030204"/>
+        <a:ea typeface=""/>
+        <a:cs typeface=""/>
+        <a:font script="Jpan" typeface="游ゴシック Light"/>
+        <a:font script="Hang" typeface="맑은 고딕"/>
+        <a:font script="Hans" typeface="等线 Light"/>
+        <a:font script="Hant" typeface="新細明體"/>
+        <a:font script="Arab" typeface="Times New Roman"/>
+        <a:font script="Hebr" typeface="Times New Roman"/>
+        <a:font script="Thai" typeface="Angsana New"/>
+        <a:font script="Ethi" typeface="Nyala"/>
+        <a:font script="Beng" typeface="Vrinda"/>
+        <a:font script="Gujr" typeface="Shruti"/>
+        <a:font script="Khmr" typeface="MoolBoran"/>
+        <a:font script="Knda" typeface="Tunga"/>
+        <a:font script="Guru" typeface="Raavi"/>
+        <a:font script="Cans" typeface="Euphemia"/>
+        <a:font script="Cher" typeface="Plantagenet Cherokee"/>
+        <a:font script="Yiii" typeface="Microsoft Yi Baiti"/>
+        <a:font script="Tibt" typeface="Microsoft Himalaya"/>
+        <a:font script="Thaa" typeface="MV Boli"/>
+        <a:font script="Deva" typeface="Mangal"/>
+        <a:font script="Telu" typeface="Gautami"/>
+        <a:font script="Taml" typeface="Latha"/>
+        <a:font script="Syrc" typeface="Estrangelo Edessa"/>
+        <a:font script="Orya" typeface="Kalinga"/>
+        <a:font script="Mlym" typeface="Kartika"/>
+        <a:font script="Laoo" typeface="DokChampa"/>
+        <a:font script="Sinh" typeface="Iskoola Pota"/>
+        <a:font script="Mong" typeface="Mongolian Baiti"/>
+        <a:font script="Viet" typeface="Times New Roman"/>
+        <a:font script="Uigh" typeface="Microsoft Uighur"/>
+        <a:font script="Geor" typeface="Sylfaen"/>
+        <a:font script="Armn" typeface="Arial"/>
+        <a:font script="Bugi" typeface="Leelawadee UI"/>
+        <a:font script="Bopo" typeface="Microsoft JhengHei"/>
+        <a:font script="Java" typeface="Javanese Text"/>
+        <a:font script="Lisu" typeface="Segoe UI"/>
+        <a:font script="Mymr" typeface="Myanmar Text"/>
+        <a:font script="Nkoo" typeface="Ebrima"/>
+        <a:font script="Olck" typeface="Nirmala UI"/>
+        <a:font script="Osma" typeface="Ebrima"/>
+        <a:font script="Phag" typeface="Phagspa"/>
+        <a:font script="Syrn" typeface="Estrangelo Edessa"/>
+        <a:font script="Syrj" typeface="Estrangelo Edessa"/>
+        <a:font script="Syre" typeface="Estrangelo Edessa"/>
+        <a:font script="Sora" typeface="Nirmala UI"/>
+        <a:font script="Tale" typeface="Microsoft Tai Le"/>
+        <a:font script="Talu" typeface="Microsoft New Tai Lue"/>
+        <a:font script="Tfng" typeface="Ebrima"/>
+      </a:majorFont>
+      <a:minorFont>
+        <a:latin typeface="Calibri" panose="020F0502020204030204"/>
+        <a:ea typeface=""/>
+        <a:cs typeface=""/>
+        <a:font script="Jpan" typeface="游ゴシック"/>
+        <a:font script="Hang" typeface="맑은 고딕"/>
+        <a:font script="Hans" typeface="等线"/>
+        <a:font script="Hant" typeface="新細明體"/>
+        <a:font script="Arab" typeface="Arial"/>
+        <a:font script="Hebr" typeface="Arial"/>
+        <a:font script="Thai" typeface="Cordia New"/>
+        <a:font script="Ethi" typeface="Nyala"/>
+        <a:font script="Beng" typeface="Vrinda"/>
+        <a:font script="Gujr" typeface="Shruti"/>
+        <a:font script="Khmr" typeface="DaunPenh"/>
+        <a:font script="Knda" typeface="Tunga"/>
+        <a:font script="Guru" typeface="Raavi"/>
+        <a:font script="Cans" typeface="Euphemia"/>
+        <a:font script="Cher" typeface="Plantagenet Cherokee"/>
+        <a:font script="Yiii" typeface="Microsoft Yi Baiti"/>
+        <a:font script="Tibt" typeface="Microsoft Himalaya"/>
+        <a:font script="Thaa" typeface="MV Boli"/>
+        <a:font script="Deva" typeface="Mangal"/>
+        <a:font script="Telu" typeface="Gautami"/>
+        <a:font script="Taml" typeface="Latha"/>
+        <a:font script="Syrc" typeface="Estrangelo Edessa"/>
+        <a:font script="Orya" typeface="Kalinga"/>
+        <a:font script="Mlym" typeface="Kartika"/>
+        <a:font script="Laoo" typeface="DokChampa"/>
+        <a:font script="Sinh" typeface="Iskoola Pota"/>
+        <a:font script="Mong" typeface="Mongolian Baiti"/>
+        <a:font script="Viet" typeface="Arial"/>
+        <a:font script="Uigh" typeface="Microsoft Uighur"/>
+        <a:font script="Geor" typeface="Sylfaen"/>
+        <a:font script="Armn" typeface="Arial"/>
+        <a:font script="Bugi" typeface="Leelawadee UI"/>
+        <a:font script="Bopo" typeface="Microsoft JhengHei"/>
+        <a:font script="Java" typeface="Javanese Text"/>
+        <a:font script="Lisu" typeface="Segoe UI"/>
+        <a:font script="Mymr" typeface="Myanmar Text"/>
+        <a:font script="Nkoo" typeface="Ebrima"/>
+        <a:font script="Olck" typeface="Nirmala UI"/>
+        <a:font script="Osma" typeface="Ebrima"/>
+        <a:font script="Phag" typeface="Phagspa"/>
+        <a:font script="Syrn" typeface="Estrangelo Edessa"/>
+        <a:font script="Syrj" typeface="Estrangelo Edessa"/>
+        <a:font script="Syre" typeface="Estrangelo Edessa"/>
+        <a:font script="Sora" typeface="Nirmala UI"/>
+        <a:font script="Tale" typeface="Microsoft Tai Le"/>
+        <a:font script="Talu" typeface="Microsoft New Tai Lue"/>
+        <a:font script="Tfng" typeface="Ebrima"/>
+      </a:minorFont>
+    </a:fontScheme>
+    <a:fmtScheme name="Office">
+      <a:fillStyleLst>
+        <a:solidFill>
+          <a:schemeClr val="phClr"/>
+        </a:solidFill>
+        <a:gradFill rotWithShape="1">
+          <a:gsLst>
+            <a:gs pos="0">
+              <a:schemeClr val="phClr">
+                <a:lumMod val="110000"/>
+                <a:satMod val="105000"/>
+                <a:tint val="67000"/>
+              </a:schemeClr>
+            </a:gs>
+            <a:gs pos="50000">
+              <a:schemeClr val="phClr">
+                <a:lumMod val="105000"/>
+                <a:satMod val="103000"/>
+                <a:tint val="73000"/>
+              </a:schemeClr>
+            </a:gs>
+            <a:gs pos="100000">
+              <a:schemeClr val="phClr">
+                <a:lumMod val="105000"/>
+                <a:satMod val="109000"/>
+                <a:tint val="81000"/>
+              </a:schemeClr>
+            </a:gs>
+          </a:gsLst>
+          <a:lin ang="5400000" scaled="0"/>
+        </a:gradFill>
+        <a:gradFill rotWithShape="1">
+          <a:gsLst>
+            <a:gs pos="0">
+              <a:schemeClr val="phClr">
+                <a:satMod val="103000"/>
+                <a:lumMod val="102000"/>
+                <a:tint val="94000"/>
+              </a:schemeClr>
+            </a:gs>
+            <a:gs pos="50000">
+              <a:schemeClr val="phClr">
+                <a:satMod val="110000"/>
+                <a:lumMod val="100000"/>
+                <a:shade val="100000"/>
+              </a:schemeClr>
+            </a:gs>
+            <a:gs pos="100000">
+              <a:schemeClr val="phClr">
+                <a:lumMod val="99000"/>
+                <a:satMod val="120000"/>
+                <a:shade val="78000"/>
+              </a:schemeClr>
+            </a:gs>
+          </a:gsLst>
+          <a:lin ang="5400000" scaled="0"/>
+        </a:gradFill>
+      </a:fillStyleLst>
+      <a:lnStyleLst>
+        <a:ln w="6350" cap="flat" cmpd="sng" algn="ctr">
+          <a:solidFill>
+            <a:schemeClr val="phClr"/>
+          </a:solidFill>
+          <a:prstDash val="solid"/>
+          <a:miter lim="800000"/>
+        </a:ln>
+        <a:ln w="12700" cap="flat" cmpd="sng" algn="ctr">
+          <a:solidFill>
+            <a:schemeClr val="phClr"/>
+          </a:solidFill>
+          <a:prstDash val="solid"/>
+          <a:miter lim="800000"/>
+        </a:ln>
+        <a:ln w="19050" cap="flat" cmpd="sng" algn="ctr">
+          <a:solidFill>
+            <a:schemeClr val="phClr"/>
+          </a:solidFill>
+          <a:prstDash val="solid"/>
+          <a:miter lim="800000"/>
+        </a:ln>
+      </a:lnStyleLst>
+      <a:effectStyleLst>
+        <a:effectStyle>
+          <a:effectLst/>
+        </a:effectStyle>
+        <a:effectStyle>
+          <a:effectLst/>
+        </a:effectStyle>
+        <a:effectStyle>
+          <a:effectLst>
+            <a:outerShdw blurRad="57150" dist="19050" dir="5400000" algn="ctr" rotWithShape="0">
+              <a:srgbClr val="000000">
+                <a:alpha val="63000"/>
+              </a:srgbClr>
+            </a:outerShdw>
+          </a:effectLst>
+        </a:effectStyle>
+      </a:effectStyleLst>
+      <a:bgFillStyleLst>
+        <a:solidFill>
+          <a:schemeClr val="phClr"/>
+        </a:solidFill>
+        <a:solidFill>
+          <a:schemeClr val="phClr">
+            <a:tint val="95000"/>
+            <a:satMod val="170000"/>
+          </a:schemeClr>
+        </a:solidFill>
+        <a:gradFill rotWithShape="1">
+          <a:gsLst>
+            <a:gs pos="0">
+              <a:schemeClr val="phClr">
+                <a:tint val="93000"/>
+                <a:satMod val="150000"/>
+                <a:shade val="98000"/>
+                <a:lumMod val="102000"/>
+              </a:schemeClr>
+            </a:gs>
+            <a:gs pos="50000">
+              <a:schemeClr val="phClr">
+                <a:tint val="98000"/>
+                <a:satMod val="130000"/>
+                <a:shade val="90000"/>
+                <a:lumMod val="103000"/>
+              </a:schemeClr>
+            </a:gs>
+            <a:gs pos="100000">
+              <a:schemeClr val="phClr">
+                <a:shade val="63000"/>
+                <a:satMod val="120000"/>
+              </a:schemeClr>
+            </a:gs>
+          </a:gsLst>
+          <a:lin ang="5400000" scaled="0"/>
+        </a:gradFill>
+      </a:bgFillStyleLst>
+    </a:fmtScheme>
+  </a:themeElements>
+  <a:objectDefaults/>
+  <a:extraClrSchemeLst/>
+  <a:extLst>
+    <a:ext uri="{05A4C25C-085E-4340-85A3-A5531E510DB2}">
+      <thm15:themeFamily xmlns:thm15="http://schemas.microsoft.com/office/thememl/2012/main" name="Office Theme" id="{62F939B6-93AF-4DB8-9C6B-D6C7DFDC589F}" vid="{4A3C46E8-61CC-4603-A589-7422A47A8E4A}"/>
+    </a:ext>
+  </a:extLst>
+</a:theme>
 </file>